--- a/PowerPoints/240513.pptx
+++ b/PowerPoints/240513.pptx
@@ -5,29 +5,23 @@
     <p:sldMasterId id="2147483662" r:id="rId12"/>
   </p:sldMasterIdLst>
   <p:notesMasterIdLst>
-    <p:notesMasterId r:id="rId25"/>
+    <p:notesMasterId r:id="rId19"/>
   </p:notesMasterIdLst>
   <p:handoutMasterIdLst>
-    <p:handoutMasterId r:id="rId26"/>
+    <p:handoutMasterId r:id="rId20"/>
   </p:handoutMasterIdLst>
   <p:sldIdLst>
     <p:sldId id="256" r:id="rId13"/>
     <p:sldId id="260" r:id="rId14"/>
     <p:sldId id="257" r:id="rId15"/>
-    <p:sldId id="261" r:id="rId16"/>
-    <p:sldId id="263" r:id="rId17"/>
-    <p:sldId id="264" r:id="rId18"/>
-    <p:sldId id="270" r:id="rId19"/>
-    <p:sldId id="265" r:id="rId20"/>
-    <p:sldId id="266" r:id="rId21"/>
-    <p:sldId id="267" r:id="rId22"/>
-    <p:sldId id="269" r:id="rId23"/>
-    <p:sldId id="268" r:id="rId24"/>
+    <p:sldId id="264" r:id="rId16"/>
+    <p:sldId id="261" r:id="rId17"/>
+    <p:sldId id="270" r:id="rId18"/>
   </p:sldIdLst>
   <p:sldSz cx="12190413" cy="6858000"/>
   <p:notesSz cx="6858000" cy="9144000"/>
   <p:custDataLst>
-    <p:tags r:id="rId27"/>
+    <p:tags r:id="rId21"/>
   </p:custDataLst>
   <p:defaultTextStyle>
     <a:defPPr>
@@ -162,15 +156,9 @@
             <p14:sldId id="256"/>
             <p14:sldId id="260"/>
             <p14:sldId id="257"/>
+            <p14:sldId id="264"/>
             <p14:sldId id="261"/>
-            <p14:sldId id="263"/>
-            <p14:sldId id="264"/>
             <p14:sldId id="270"/>
-            <p14:sldId id="265"/>
-            <p14:sldId id="266"/>
-            <p14:sldId id="267"/>
-            <p14:sldId id="269"/>
-            <p14:sldId id="268"/>
           </p14:sldIdLst>
         </p14:section>
       </p14:sectionLst>
@@ -9319,751 +9307,6 @@
 </p:sld>
 </file>
 
-<file path=ppt/slides/slide10.xml><?xml version="1.0" encoding="utf-8"?>
-<p:sld xmlns:a="http://schemas.openxmlformats.org/drawingml/2006/main" xmlns:r="http://schemas.openxmlformats.org/officeDocument/2006/relationships" xmlns:p="http://schemas.openxmlformats.org/presentationml/2006/main">
-  <p:cSld>
-    <p:spTree>
-      <p:nvGrpSpPr>
-        <p:cNvPr id="1" name=""/>
-        <p:cNvGrpSpPr/>
-        <p:nvPr/>
-      </p:nvGrpSpPr>
-      <p:grpSpPr>
-        <a:xfrm>
-          <a:off x="0" y="0"/>
-          <a:ext cx="0" cy="0"/>
-          <a:chOff x="0" y="0"/>
-          <a:chExt cx="0" cy="0"/>
-        </a:xfrm>
-      </p:grpSpPr>
-      <p:sp>
-        <p:nvSpPr>
-          <p:cNvPr id="2" name="Title 1">
-            <a:extLst>
-              <a:ext uri="{FF2B5EF4-FFF2-40B4-BE49-F238E27FC236}">
-                <a16:creationId xmlns:a16="http://schemas.microsoft.com/office/drawing/2014/main" id="{8E7E0DBC-8906-D907-C58B-7B42F1F79699}"/>
-              </a:ext>
-            </a:extLst>
-          </p:cNvPr>
-          <p:cNvSpPr>
-            <a:spLocks noGrp="1"/>
-          </p:cNvSpPr>
-          <p:nvPr>
-            <p:ph type="title"/>
-          </p:nvPr>
-        </p:nvSpPr>
-        <p:spPr>
-          <a:xfrm>
-            <a:off x="934613" y="3611"/>
-            <a:ext cx="9312374" cy="972716"/>
-          </a:xfrm>
-        </p:spPr>
-        <p:txBody>
-          <a:bodyPr/>
-          <a:lstStyle/>
-          <a:p>
-            <a:r>
-              <a:rPr lang="en-US" dirty="0"/>
-              <a:t>Cell 2. Felt – 0.5</a:t>
-            </a:r>
-            <a:endParaRPr lang="en-DK" dirty="0"/>
-          </a:p>
-        </p:txBody>
-      </p:sp>
-      <p:sp>
-        <p:nvSpPr>
-          <p:cNvPr id="4" name="Content Placeholder 3">
-            <a:extLst>
-              <a:ext uri="{FF2B5EF4-FFF2-40B4-BE49-F238E27FC236}">
-                <a16:creationId xmlns:a16="http://schemas.microsoft.com/office/drawing/2014/main" id="{A54419EA-05A0-1836-0F6B-EA6F6F6F687B}"/>
-              </a:ext>
-            </a:extLst>
-          </p:cNvPr>
-          <p:cNvSpPr>
-            <a:spLocks noGrp="1"/>
-          </p:cNvSpPr>
-          <p:nvPr>
-            <p:ph sz="half" idx="2"/>
-          </p:nvPr>
-        </p:nvSpPr>
-        <p:spPr>
-          <a:xfrm>
-            <a:off x="7751389" y="1706399"/>
-            <a:ext cx="3335711" cy="4546800"/>
-          </a:xfrm>
-        </p:spPr>
-        <p:txBody>
-          <a:bodyPr/>
-          <a:lstStyle/>
-          <a:p>
-            <a:r>
-              <a:rPr lang="en-US" dirty="0"/>
-              <a:t>920kHz – 25mHz</a:t>
-            </a:r>
-          </a:p>
-          <a:p>
-            <a:r>
-              <a:rPr lang="en-US" dirty="0" err="1"/>
-              <a:t>V_a</a:t>
-            </a:r>
-            <a:r>
-              <a:rPr lang="en-US" dirty="0"/>
-              <a:t> = 5mV</a:t>
-            </a:r>
-          </a:p>
-          <a:p>
-            <a:r>
-              <a:rPr lang="en-US" dirty="0"/>
-              <a:t>10 points per decade.</a:t>
-            </a:r>
-          </a:p>
-          <a:p>
-            <a:r>
-              <a:rPr lang="en-US" dirty="0"/>
-              <a:t>Avg of 3 readings per point.</a:t>
-            </a:r>
-          </a:p>
-          <a:p>
-            <a:endParaRPr lang="en-US" dirty="0"/>
-          </a:p>
-          <a:p>
-            <a:r>
-              <a:rPr lang="en-US" dirty="0"/>
-              <a:t>Clearly doesn’t capture the entire diffusion span for the lower flow rates.</a:t>
-            </a:r>
-            <a:endParaRPr lang="en-DK" dirty="0"/>
-          </a:p>
-        </p:txBody>
-      </p:sp>
-      <p:sp>
-        <p:nvSpPr>
-          <p:cNvPr id="5" name="Footer Placeholder 4">
-            <a:extLst>
-              <a:ext uri="{FF2B5EF4-FFF2-40B4-BE49-F238E27FC236}">
-                <a16:creationId xmlns:a16="http://schemas.microsoft.com/office/drawing/2014/main" id="{D839F3CD-1C40-1A2D-A5E2-9A9B5214BDEE}"/>
-              </a:ext>
-            </a:extLst>
-          </p:cNvPr>
-          <p:cNvSpPr>
-            <a:spLocks noGrp="1"/>
-          </p:cNvSpPr>
-          <p:nvPr>
-            <p:ph type="ftr" sz="quarter" idx="10"/>
-          </p:nvPr>
-        </p:nvSpPr>
-        <p:spPr/>
-        <p:txBody>
-          <a:bodyPr/>
-          <a:lstStyle/>
-          <a:p>
-            <a:r>
-              <a:rPr lang="en-GB"/>
-              <a:t>Title</a:t>
-            </a:r>
-            <a:endParaRPr lang="en-GB" dirty="0"/>
-          </a:p>
-        </p:txBody>
-      </p:sp>
-      <p:sp>
-        <p:nvSpPr>
-          <p:cNvPr id="6" name="Slide Number Placeholder 5">
-            <a:extLst>
-              <a:ext uri="{FF2B5EF4-FFF2-40B4-BE49-F238E27FC236}">
-                <a16:creationId xmlns:a16="http://schemas.microsoft.com/office/drawing/2014/main" id="{D11E57AB-4AC4-12B4-597D-00D44BC104B2}"/>
-              </a:ext>
-            </a:extLst>
-          </p:cNvPr>
-          <p:cNvSpPr>
-            <a:spLocks noGrp="1"/>
-          </p:cNvSpPr>
-          <p:nvPr>
-            <p:ph type="sldNum" sz="quarter" idx="11"/>
-          </p:nvPr>
-        </p:nvSpPr>
-        <p:spPr/>
-        <p:txBody>
-          <a:bodyPr/>
-          <a:lstStyle/>
-          <a:p>
-            <a:fld id="{103EA872-A674-449B-A120-B97244F8E91D}" type="slidenum">
-              <a:rPr lang="en-GB" smtClean="0"/>
-              <a:pPr/>
-              <a:t>10</a:t>
-            </a:fld>
-            <a:endParaRPr lang="en-GB" dirty="0"/>
-          </a:p>
-        </p:txBody>
-      </p:sp>
-      <p:sp>
-        <p:nvSpPr>
-          <p:cNvPr id="7" name="Date Placeholder 6">
-            <a:extLst>
-              <a:ext uri="{FF2B5EF4-FFF2-40B4-BE49-F238E27FC236}">
-                <a16:creationId xmlns:a16="http://schemas.microsoft.com/office/drawing/2014/main" id="{50A48D68-EA58-E785-736C-AAA52BB32BDA}"/>
-              </a:ext>
-            </a:extLst>
-          </p:cNvPr>
-          <p:cNvSpPr>
-            <a:spLocks noGrp="1"/>
-          </p:cNvSpPr>
-          <p:nvPr>
-            <p:ph type="dt" sz="half" idx="12"/>
-          </p:nvPr>
-        </p:nvSpPr>
-        <p:spPr/>
-        <p:txBody>
-          <a:bodyPr/>
-          <a:lstStyle/>
-          <a:p>
-            <a:r>
-              <a:rPr lang="da-DK"/>
-              <a:t>Date</a:t>
-            </a:r>
-            <a:endParaRPr lang="en-GB"/>
-          </a:p>
-        </p:txBody>
-      </p:sp>
-      <p:sp>
-        <p:nvSpPr>
-          <p:cNvPr id="13" name="Content Placeholder 12">
-            <a:extLst>
-              <a:ext uri="{FF2B5EF4-FFF2-40B4-BE49-F238E27FC236}">
-                <a16:creationId xmlns:a16="http://schemas.microsoft.com/office/drawing/2014/main" id="{AC07250E-58A5-D68D-FB62-9C394651DDE4}"/>
-              </a:ext>
-            </a:extLst>
-          </p:cNvPr>
-          <p:cNvSpPr>
-            <a:spLocks noGrp="1"/>
-          </p:cNvSpPr>
-          <p:nvPr>
-            <p:ph sz="half" idx="1"/>
-          </p:nvPr>
-        </p:nvSpPr>
-        <p:spPr/>
-        <p:txBody>
-          <a:bodyPr/>
-          <a:lstStyle/>
-          <a:p>
-            <a:r>
-              <a:rPr lang="en-US" dirty="0" err="1"/>
-              <a:t>saadsd</a:t>
-            </a:r>
-            <a:endParaRPr lang="en-DK" dirty="0"/>
-          </a:p>
-        </p:txBody>
-      </p:sp>
-      <p:pic>
-        <p:nvPicPr>
-          <p:cNvPr id="15" name="Picture 14" descr="A graph of different colored lines&#10;&#10;Description automatically generated">
-            <a:extLst>
-              <a:ext uri="{FF2B5EF4-FFF2-40B4-BE49-F238E27FC236}">
-                <a16:creationId xmlns:a16="http://schemas.microsoft.com/office/drawing/2014/main" id="{DC84A82D-2FCA-FB65-C27E-114859AFB82D}"/>
-              </a:ext>
-            </a:extLst>
-          </p:cNvPr>
-          <p:cNvPicPr>
-            <a:picLocks noChangeAspect="1"/>
-          </p:cNvPicPr>
-          <p:nvPr/>
-        </p:nvPicPr>
-        <p:blipFill>
-          <a:blip r:embed="rId2">
-            <a:extLst>
-              <a:ext uri="{28A0092B-C50C-407E-A947-70E740481C1C}">
-                <a14:useLocalDpi xmlns:a14="http://schemas.microsoft.com/office/drawing/2010/main" val="0"/>
-              </a:ext>
-            </a:extLst>
-          </a:blip>
-          <a:stretch>
-            <a:fillRect/>
-          </a:stretch>
-        </p:blipFill>
-        <p:spPr>
-          <a:xfrm>
-            <a:off x="0" y="910788"/>
-            <a:ext cx="7315215" cy="5486411"/>
-          </a:xfrm>
-          <a:prstGeom prst="rect">
-            <a:avLst/>
-          </a:prstGeom>
-        </p:spPr>
-      </p:pic>
-    </p:spTree>
-    <p:extLst>
-      <p:ext uri="{BB962C8B-B14F-4D97-AF65-F5344CB8AC3E}">
-        <p14:creationId xmlns:p14="http://schemas.microsoft.com/office/powerpoint/2010/main" val="551505036"/>
-      </p:ext>
-    </p:extLst>
-  </p:cSld>
-  <p:clrMapOvr>
-    <a:masterClrMapping/>
-  </p:clrMapOvr>
-</p:sld>
-</file>
-
-<file path=ppt/slides/slide11.xml><?xml version="1.0" encoding="utf-8"?>
-<p:sld xmlns:a="http://schemas.openxmlformats.org/drawingml/2006/main" xmlns:r="http://schemas.openxmlformats.org/officeDocument/2006/relationships" xmlns:p="http://schemas.openxmlformats.org/presentationml/2006/main">
-  <p:cSld>
-    <p:spTree>
-      <p:nvGrpSpPr>
-        <p:cNvPr id="1" name=""/>
-        <p:cNvGrpSpPr/>
-        <p:nvPr/>
-      </p:nvGrpSpPr>
-      <p:grpSpPr>
-        <a:xfrm>
-          <a:off x="0" y="0"/>
-          <a:ext cx="0" cy="0"/>
-          <a:chOff x="0" y="0"/>
-          <a:chExt cx="0" cy="0"/>
-        </a:xfrm>
-      </p:grpSpPr>
-      <p:sp>
-        <p:nvSpPr>
-          <p:cNvPr id="2" name="Title 1">
-            <a:extLst>
-              <a:ext uri="{FF2B5EF4-FFF2-40B4-BE49-F238E27FC236}">
-                <a16:creationId xmlns:a16="http://schemas.microsoft.com/office/drawing/2014/main" id="{8E7E0DBC-8906-D907-C58B-7B42F1F79699}"/>
-              </a:ext>
-            </a:extLst>
-          </p:cNvPr>
-          <p:cNvSpPr>
-            <a:spLocks noGrp="1"/>
-          </p:cNvSpPr>
-          <p:nvPr>
-            <p:ph type="title"/>
-          </p:nvPr>
-        </p:nvSpPr>
-        <p:spPr>
-          <a:xfrm>
-            <a:off x="934613" y="3611"/>
-            <a:ext cx="9312374" cy="972716"/>
-          </a:xfrm>
-        </p:spPr>
-        <p:txBody>
-          <a:bodyPr/>
-          <a:lstStyle/>
-          <a:p>
-            <a:r>
-              <a:rPr lang="en-US" dirty="0"/>
-              <a:t>Cell 2. Felt – 0.5</a:t>
-            </a:r>
-            <a:endParaRPr lang="en-DK" dirty="0"/>
-          </a:p>
-        </p:txBody>
-      </p:sp>
-      <p:sp>
-        <p:nvSpPr>
-          <p:cNvPr id="4" name="Content Placeholder 3">
-            <a:extLst>
-              <a:ext uri="{FF2B5EF4-FFF2-40B4-BE49-F238E27FC236}">
-                <a16:creationId xmlns:a16="http://schemas.microsoft.com/office/drawing/2014/main" id="{A54419EA-05A0-1836-0F6B-EA6F6F6F687B}"/>
-              </a:ext>
-            </a:extLst>
-          </p:cNvPr>
-          <p:cNvSpPr>
-            <a:spLocks noGrp="1"/>
-          </p:cNvSpPr>
-          <p:nvPr>
-            <p:ph sz="half" idx="2"/>
-          </p:nvPr>
-        </p:nvSpPr>
-        <p:spPr>
-          <a:xfrm>
-            <a:off x="8387552" y="1628800"/>
-            <a:ext cx="3335711" cy="4546800"/>
-          </a:xfrm>
-        </p:spPr>
-        <p:txBody>
-          <a:bodyPr/>
-          <a:lstStyle/>
-          <a:p>
-            <a:r>
-              <a:rPr lang="en-US" dirty="0"/>
-              <a:t>10mL/min</a:t>
-            </a:r>
-          </a:p>
-          <a:p>
-            <a:r>
-              <a:rPr lang="en-US" dirty="0"/>
-              <a:t>Blue takes ~45min (3x ~15min)</a:t>
-            </a:r>
-          </a:p>
-          <a:p>
-            <a:r>
-              <a:rPr lang="en-US" dirty="0"/>
-              <a:t>Red almost 3x that</a:t>
-            </a:r>
-          </a:p>
-          <a:p>
-            <a:r>
-              <a:rPr lang="en-US" dirty="0"/>
-              <a:t>Have not tested extrapolation tools yet, but know they exist</a:t>
-            </a:r>
-            <a:endParaRPr lang="en-DK" dirty="0"/>
-          </a:p>
-        </p:txBody>
-      </p:sp>
-      <p:sp>
-        <p:nvSpPr>
-          <p:cNvPr id="5" name="Footer Placeholder 4">
-            <a:extLst>
-              <a:ext uri="{FF2B5EF4-FFF2-40B4-BE49-F238E27FC236}">
-                <a16:creationId xmlns:a16="http://schemas.microsoft.com/office/drawing/2014/main" id="{D839F3CD-1C40-1A2D-A5E2-9A9B5214BDEE}"/>
-              </a:ext>
-            </a:extLst>
-          </p:cNvPr>
-          <p:cNvSpPr>
-            <a:spLocks noGrp="1"/>
-          </p:cNvSpPr>
-          <p:nvPr>
-            <p:ph type="ftr" sz="quarter" idx="10"/>
-          </p:nvPr>
-        </p:nvSpPr>
-        <p:spPr/>
-        <p:txBody>
-          <a:bodyPr/>
-          <a:lstStyle/>
-          <a:p>
-            <a:r>
-              <a:rPr lang="en-GB"/>
-              <a:t>Title</a:t>
-            </a:r>
-            <a:endParaRPr lang="en-GB" dirty="0"/>
-          </a:p>
-        </p:txBody>
-      </p:sp>
-      <p:sp>
-        <p:nvSpPr>
-          <p:cNvPr id="6" name="Slide Number Placeholder 5">
-            <a:extLst>
-              <a:ext uri="{FF2B5EF4-FFF2-40B4-BE49-F238E27FC236}">
-                <a16:creationId xmlns:a16="http://schemas.microsoft.com/office/drawing/2014/main" id="{D11E57AB-4AC4-12B4-597D-00D44BC104B2}"/>
-              </a:ext>
-            </a:extLst>
-          </p:cNvPr>
-          <p:cNvSpPr>
-            <a:spLocks noGrp="1"/>
-          </p:cNvSpPr>
-          <p:nvPr>
-            <p:ph type="sldNum" sz="quarter" idx="11"/>
-          </p:nvPr>
-        </p:nvSpPr>
-        <p:spPr/>
-        <p:txBody>
-          <a:bodyPr/>
-          <a:lstStyle/>
-          <a:p>
-            <a:fld id="{103EA872-A674-449B-A120-B97244F8E91D}" type="slidenum">
-              <a:rPr lang="en-GB" smtClean="0"/>
-              <a:pPr/>
-              <a:t>11</a:t>
-            </a:fld>
-            <a:endParaRPr lang="en-GB" dirty="0"/>
-          </a:p>
-        </p:txBody>
-      </p:sp>
-      <p:sp>
-        <p:nvSpPr>
-          <p:cNvPr id="7" name="Date Placeholder 6">
-            <a:extLst>
-              <a:ext uri="{FF2B5EF4-FFF2-40B4-BE49-F238E27FC236}">
-                <a16:creationId xmlns:a16="http://schemas.microsoft.com/office/drawing/2014/main" id="{50A48D68-EA58-E785-736C-AAA52BB32BDA}"/>
-              </a:ext>
-            </a:extLst>
-          </p:cNvPr>
-          <p:cNvSpPr>
-            <a:spLocks noGrp="1"/>
-          </p:cNvSpPr>
-          <p:nvPr>
-            <p:ph type="dt" sz="half" idx="12"/>
-          </p:nvPr>
-        </p:nvSpPr>
-        <p:spPr/>
-        <p:txBody>
-          <a:bodyPr/>
-          <a:lstStyle/>
-          <a:p>
-            <a:r>
-              <a:rPr lang="da-DK"/>
-              <a:t>Date</a:t>
-            </a:r>
-            <a:endParaRPr lang="en-GB"/>
-          </a:p>
-        </p:txBody>
-      </p:sp>
-      <p:pic>
-        <p:nvPicPr>
-          <p:cNvPr id="10" name="Picture 9" descr="A graph of a waveform&#10;&#10;Description automatically generated">
-            <a:extLst>
-              <a:ext uri="{FF2B5EF4-FFF2-40B4-BE49-F238E27FC236}">
-                <a16:creationId xmlns:a16="http://schemas.microsoft.com/office/drawing/2014/main" id="{3B032959-663E-3020-6F25-22DA70940CB6}"/>
-              </a:ext>
-            </a:extLst>
-          </p:cNvPr>
-          <p:cNvPicPr>
-            <a:picLocks noChangeAspect="1"/>
-          </p:cNvPicPr>
-          <p:nvPr/>
-        </p:nvPicPr>
-        <p:blipFill>
-          <a:blip r:embed="rId2">
-            <a:extLst>
-              <a:ext uri="{28A0092B-C50C-407E-A947-70E740481C1C}">
-                <a14:useLocalDpi xmlns:a14="http://schemas.microsoft.com/office/drawing/2010/main" val="0"/>
-              </a:ext>
-            </a:extLst>
-          </a:blip>
-          <a:stretch>
-            <a:fillRect/>
-          </a:stretch>
-        </p:blipFill>
-        <p:spPr>
-          <a:xfrm>
-            <a:off x="57438" y="2189514"/>
-            <a:ext cx="7737438" cy="3138498"/>
-          </a:xfrm>
-          <a:prstGeom prst="rect">
-            <a:avLst/>
-          </a:prstGeom>
-        </p:spPr>
-      </p:pic>
-    </p:spTree>
-    <p:extLst>
-      <p:ext uri="{BB962C8B-B14F-4D97-AF65-F5344CB8AC3E}">
-        <p14:creationId xmlns:p14="http://schemas.microsoft.com/office/powerpoint/2010/main" val="295511893"/>
-      </p:ext>
-    </p:extLst>
-  </p:cSld>
-  <p:clrMapOvr>
-    <a:masterClrMapping/>
-  </p:clrMapOvr>
-</p:sld>
-</file>
-
-<file path=ppt/slides/slide12.xml><?xml version="1.0" encoding="utf-8"?>
-<p:sld xmlns:a="http://schemas.openxmlformats.org/drawingml/2006/main" xmlns:r="http://schemas.openxmlformats.org/officeDocument/2006/relationships" xmlns:p="http://schemas.openxmlformats.org/presentationml/2006/main">
-  <p:cSld>
-    <p:spTree>
-      <p:nvGrpSpPr>
-        <p:cNvPr id="1" name=""/>
-        <p:cNvGrpSpPr/>
-        <p:nvPr/>
-      </p:nvGrpSpPr>
-      <p:grpSpPr>
-        <a:xfrm>
-          <a:off x="0" y="0"/>
-          <a:ext cx="0" cy="0"/>
-          <a:chOff x="0" y="0"/>
-          <a:chExt cx="0" cy="0"/>
-        </a:xfrm>
-      </p:grpSpPr>
-      <p:sp>
-        <p:nvSpPr>
-          <p:cNvPr id="2" name="Title 1">
-            <a:extLst>
-              <a:ext uri="{FF2B5EF4-FFF2-40B4-BE49-F238E27FC236}">
-                <a16:creationId xmlns:a16="http://schemas.microsoft.com/office/drawing/2014/main" id="{2CA8037A-DCF3-7DF1-99ED-BE2037B4F7CD}"/>
-              </a:ext>
-            </a:extLst>
-          </p:cNvPr>
-          <p:cNvSpPr>
-            <a:spLocks noGrp="1"/>
-          </p:cNvSpPr>
-          <p:nvPr>
-            <p:ph type="title"/>
-          </p:nvPr>
-        </p:nvSpPr>
-        <p:spPr/>
-        <p:txBody>
-          <a:bodyPr/>
-          <a:lstStyle/>
-          <a:p>
-            <a:r>
-              <a:rPr lang="en-US" dirty="0"/>
-              <a:t>Remainder</a:t>
-            </a:r>
-            <a:endParaRPr lang="en-DK" dirty="0"/>
-          </a:p>
-        </p:txBody>
-      </p:sp>
-      <p:sp>
-        <p:nvSpPr>
-          <p:cNvPr id="3" name="Content Placeholder 2">
-            <a:extLst>
-              <a:ext uri="{FF2B5EF4-FFF2-40B4-BE49-F238E27FC236}">
-                <a16:creationId xmlns:a16="http://schemas.microsoft.com/office/drawing/2014/main" id="{028F2D42-659E-C313-7163-3EF1FB12063B}"/>
-              </a:ext>
-            </a:extLst>
-          </p:cNvPr>
-          <p:cNvSpPr>
-            <a:spLocks noGrp="1"/>
-          </p:cNvSpPr>
-          <p:nvPr>
-            <p:ph sz="half" idx="1"/>
-          </p:nvPr>
-        </p:nvSpPr>
-        <p:spPr/>
-        <p:txBody>
-          <a:bodyPr/>
-          <a:lstStyle/>
-          <a:p>
-            <a:r>
-              <a:rPr lang="en-US" dirty="0" err="1"/>
-              <a:t>Baichen</a:t>
-            </a:r>
-            <a:r>
-              <a:rPr lang="en-US" dirty="0"/>
-              <a:t> symmetric cell modelling</a:t>
-            </a:r>
-          </a:p>
-          <a:p>
-            <a:r>
-              <a:rPr lang="en-US" dirty="0"/>
-              <a:t>Modelling of IRFB sets</a:t>
-            </a:r>
-          </a:p>
-          <a:p>
-            <a:r>
-              <a:rPr lang="en-US" dirty="0"/>
-              <a:t>Paper electrodes in 0.5M</a:t>
-            </a:r>
-          </a:p>
-          <a:p>
-            <a:r>
-              <a:rPr lang="en-US" dirty="0"/>
-              <a:t>New conc.</a:t>
-            </a:r>
-            <a:endParaRPr lang="en-DK" dirty="0"/>
-          </a:p>
-        </p:txBody>
-      </p:sp>
-      <p:sp>
-        <p:nvSpPr>
-          <p:cNvPr id="4" name="Content Placeholder 3">
-            <a:extLst>
-              <a:ext uri="{FF2B5EF4-FFF2-40B4-BE49-F238E27FC236}">
-                <a16:creationId xmlns:a16="http://schemas.microsoft.com/office/drawing/2014/main" id="{D6D71EEA-E3FC-C2F7-E8E6-6564770E708C}"/>
-              </a:ext>
-            </a:extLst>
-          </p:cNvPr>
-          <p:cNvSpPr>
-            <a:spLocks noGrp="1"/>
-          </p:cNvSpPr>
-          <p:nvPr>
-            <p:ph sz="half" idx="2"/>
-          </p:nvPr>
-        </p:nvSpPr>
-        <p:spPr/>
-        <p:txBody>
-          <a:bodyPr/>
-          <a:lstStyle/>
-          <a:p>
-            <a:endParaRPr lang="en-DK"/>
-          </a:p>
-        </p:txBody>
-      </p:sp>
-      <p:sp>
-        <p:nvSpPr>
-          <p:cNvPr id="5" name="Footer Placeholder 4">
-            <a:extLst>
-              <a:ext uri="{FF2B5EF4-FFF2-40B4-BE49-F238E27FC236}">
-                <a16:creationId xmlns:a16="http://schemas.microsoft.com/office/drawing/2014/main" id="{160BB636-5F20-8254-09AE-BA3DE75ADCA7}"/>
-              </a:ext>
-            </a:extLst>
-          </p:cNvPr>
-          <p:cNvSpPr>
-            <a:spLocks noGrp="1"/>
-          </p:cNvSpPr>
-          <p:nvPr>
-            <p:ph type="ftr" sz="quarter" idx="10"/>
-          </p:nvPr>
-        </p:nvSpPr>
-        <p:spPr/>
-        <p:txBody>
-          <a:bodyPr/>
-          <a:lstStyle/>
-          <a:p>
-            <a:r>
-              <a:rPr lang="en-GB"/>
-              <a:t>Title</a:t>
-            </a:r>
-            <a:endParaRPr lang="en-GB" dirty="0"/>
-          </a:p>
-        </p:txBody>
-      </p:sp>
-      <p:sp>
-        <p:nvSpPr>
-          <p:cNvPr id="6" name="Slide Number Placeholder 5">
-            <a:extLst>
-              <a:ext uri="{FF2B5EF4-FFF2-40B4-BE49-F238E27FC236}">
-                <a16:creationId xmlns:a16="http://schemas.microsoft.com/office/drawing/2014/main" id="{5188DC13-A451-1752-548E-AE3B80F4F654}"/>
-              </a:ext>
-            </a:extLst>
-          </p:cNvPr>
-          <p:cNvSpPr>
-            <a:spLocks noGrp="1"/>
-          </p:cNvSpPr>
-          <p:nvPr>
-            <p:ph type="sldNum" sz="quarter" idx="11"/>
-          </p:nvPr>
-        </p:nvSpPr>
-        <p:spPr/>
-        <p:txBody>
-          <a:bodyPr/>
-          <a:lstStyle/>
-          <a:p>
-            <a:fld id="{103EA872-A674-449B-A120-B97244F8E91D}" type="slidenum">
-              <a:rPr lang="en-GB" smtClean="0"/>
-              <a:pPr/>
-              <a:t>12</a:t>
-            </a:fld>
-            <a:endParaRPr lang="en-GB" dirty="0"/>
-          </a:p>
-        </p:txBody>
-      </p:sp>
-      <p:sp>
-        <p:nvSpPr>
-          <p:cNvPr id="7" name="Date Placeholder 6">
-            <a:extLst>
-              <a:ext uri="{FF2B5EF4-FFF2-40B4-BE49-F238E27FC236}">
-                <a16:creationId xmlns:a16="http://schemas.microsoft.com/office/drawing/2014/main" id="{214B4212-7333-7179-ACAB-A62B165D77F3}"/>
-              </a:ext>
-            </a:extLst>
-          </p:cNvPr>
-          <p:cNvSpPr>
-            <a:spLocks noGrp="1"/>
-          </p:cNvSpPr>
-          <p:nvPr>
-            <p:ph type="dt" sz="half" idx="12"/>
-          </p:nvPr>
-        </p:nvSpPr>
-        <p:spPr/>
-        <p:txBody>
-          <a:bodyPr/>
-          <a:lstStyle/>
-          <a:p>
-            <a:r>
-              <a:rPr lang="da-DK"/>
-              <a:t>Date</a:t>
-            </a:r>
-            <a:endParaRPr lang="en-GB"/>
-          </a:p>
-        </p:txBody>
-      </p:sp>
-    </p:spTree>
-    <p:extLst>
-      <p:ext uri="{BB962C8B-B14F-4D97-AF65-F5344CB8AC3E}">
-        <p14:creationId xmlns:p14="http://schemas.microsoft.com/office/powerpoint/2010/main" val="1206218574"/>
-      </p:ext>
-    </p:extLst>
-  </p:cSld>
-  <p:clrMapOvr>
-    <a:masterClrMapping/>
-  </p:clrMapOvr>
-</p:sld>
-</file>
-
 <file path=ppt/slides/slide2.xml><?xml version="1.0" encoding="utf-8"?>
 <p:sld xmlns:a="http://schemas.openxmlformats.org/drawingml/2006/main" xmlns:r="http://schemas.openxmlformats.org/officeDocument/2006/relationships" xmlns:p="http://schemas.openxmlformats.org/presentationml/2006/main">
   <p:cSld>
@@ -10132,7 +9375,7 @@
           <a:p>
             <a:r>
               <a:rPr lang="en-GB" dirty="0"/>
-              <a:t>18/04/24</a:t>
+              <a:t>13/05/24</a:t>
             </a:r>
           </a:p>
         </p:txBody>
@@ -10313,10 +9556,10 @@
       </p:sp>
       <p:sp>
         <p:nvSpPr>
-          <p:cNvPr id="5" name="Content Placeholder 4">
+          <p:cNvPr id="2" name="Date Placeholder 1">
             <a:extLst>
               <a:ext uri="{FF2B5EF4-FFF2-40B4-BE49-F238E27FC236}">
-                <a16:creationId xmlns:a16="http://schemas.microsoft.com/office/drawing/2014/main" id="{BDC2B067-4D9A-00FD-05AF-93E6AFACB918}"/>
+                <a16:creationId xmlns:a16="http://schemas.microsoft.com/office/drawing/2014/main" id="{77E967E4-EADF-7E19-BEDB-3653565A1E64}"/>
               </a:ext>
             </a:extLst>
           </p:cNvPr>
@@ -10324,7 +9567,7 @@
             <a:spLocks noGrp="1"/>
           </p:cNvSpPr>
           <p:nvPr>
-            <p:ph idx="1"/>
+            <p:ph type="dt" sz="half" idx="10"/>
           </p:nvPr>
         </p:nvSpPr>
         <p:spPr/>
@@ -10333,152 +9576,10 @@
           <a:lstStyle/>
           <a:p>
             <a:r>
-              <a:rPr lang="en-GB" dirty="0"/>
-              <a:t>Issues with low frequency readings.</a:t>
-            </a:r>
-          </a:p>
-          <a:p>
-            <a:r>
-              <a:rPr lang="en-GB" dirty="0"/>
-              <a:t>Assumed to be pump related from consistency</a:t>
-            </a:r>
-          </a:p>
-          <a:p>
-            <a:r>
-              <a:rPr lang="en-GB" dirty="0"/>
-              <a:t>Try dampeners.</a:t>
-            </a:r>
-            <a:endParaRPr lang="en-DK" dirty="0"/>
-          </a:p>
-        </p:txBody>
-      </p:sp>
-      <p:sp>
-        <p:nvSpPr>
-          <p:cNvPr id="9" name="Text Placeholder 8">
-            <a:extLst>
-              <a:ext uri="{FF2B5EF4-FFF2-40B4-BE49-F238E27FC236}">
-                <a16:creationId xmlns:a16="http://schemas.microsoft.com/office/drawing/2014/main" id="{8D3B1A21-2456-13A3-BA48-448E24A0DA95}"/>
-              </a:ext>
-            </a:extLst>
-          </p:cNvPr>
-          <p:cNvSpPr>
-            <a:spLocks noGrp="1"/>
-          </p:cNvSpPr>
-          <p:nvPr>
-            <p:ph type="body" sz="quarter" idx="21"/>
-          </p:nvPr>
-        </p:nvSpPr>
-        <p:spPr/>
-        <p:txBody>
-          <a:bodyPr/>
-          <a:lstStyle/>
-          <a:p>
-            <a:endParaRPr lang="en-DK" dirty="0"/>
-          </a:p>
-        </p:txBody>
-      </p:sp>
-      <p:sp>
-        <p:nvSpPr>
-          <p:cNvPr id="12" name="Content Placeholder 11">
-            <a:extLst>
-              <a:ext uri="{FF2B5EF4-FFF2-40B4-BE49-F238E27FC236}">
-                <a16:creationId xmlns:a16="http://schemas.microsoft.com/office/drawing/2014/main" id="{44EAAA58-6A52-C136-985C-84C765F0CF03}"/>
-              </a:ext>
-            </a:extLst>
-          </p:cNvPr>
-          <p:cNvSpPr>
-            <a:spLocks noGrp="1"/>
-          </p:cNvSpPr>
-          <p:nvPr>
-            <p:ph sz="quarter" idx="22"/>
-          </p:nvPr>
-        </p:nvSpPr>
-        <p:spPr/>
-        <p:txBody>
-          <a:bodyPr/>
-          <a:lstStyle/>
-          <a:p>
-            <a:r>
-              <a:rPr lang="en-GB" dirty="0"/>
-              <a:t>Decision on experiment parameters</a:t>
-            </a:r>
-          </a:p>
-          <a:p>
-            <a:r>
-              <a:rPr lang="en-GB" dirty="0"/>
-              <a:t>Electrode – Concentration – Flow rate</a:t>
-            </a:r>
-          </a:p>
-          <a:p>
-            <a:endParaRPr lang="en-DK" dirty="0"/>
-          </a:p>
-        </p:txBody>
-      </p:sp>
-      <p:sp>
-        <p:nvSpPr>
-          <p:cNvPr id="13" name="Text Placeholder 12">
-            <a:extLst>
-              <a:ext uri="{FF2B5EF4-FFF2-40B4-BE49-F238E27FC236}">
-                <a16:creationId xmlns:a16="http://schemas.microsoft.com/office/drawing/2014/main" id="{A234BFEF-B859-49D0-223C-FA235B800E0A}"/>
-              </a:ext>
-            </a:extLst>
-          </p:cNvPr>
-          <p:cNvSpPr>
-            <a:spLocks noGrp="1"/>
-          </p:cNvSpPr>
-          <p:nvPr>
-            <p:ph type="body" sz="quarter" idx="23"/>
-          </p:nvPr>
-        </p:nvSpPr>
-        <p:spPr/>
-        <p:txBody>
-          <a:bodyPr/>
-          <a:lstStyle/>
-          <a:p>
-            <a:endParaRPr lang="en-DK" dirty="0"/>
-          </a:p>
-        </p:txBody>
-      </p:sp>
-      <p:sp>
-        <p:nvSpPr>
-          <p:cNvPr id="14" name="Content Placeholder 13">
-            <a:extLst>
-              <a:ext uri="{FF2B5EF4-FFF2-40B4-BE49-F238E27FC236}">
-                <a16:creationId xmlns:a16="http://schemas.microsoft.com/office/drawing/2014/main" id="{BB4719CE-0CCE-CE2D-3C26-E6420AE8A492}"/>
-              </a:ext>
-            </a:extLst>
-          </p:cNvPr>
-          <p:cNvSpPr>
-            <a:spLocks noGrp="1"/>
-          </p:cNvSpPr>
-          <p:nvPr>
-            <p:ph sz="quarter" idx="24"/>
-          </p:nvPr>
-        </p:nvSpPr>
-        <p:spPr/>
-        <p:txBody>
-          <a:bodyPr/>
-          <a:lstStyle/>
-          <a:p>
-            <a:r>
-              <a:rPr lang="en-GB" dirty="0"/>
-              <a:t>Modelling issues on </a:t>
-            </a:r>
-            <a:r>
-              <a:rPr lang="en-GB" dirty="0" err="1"/>
-              <a:t>Baichen</a:t>
-            </a:r>
-            <a:r>
-              <a:rPr lang="en-GB" dirty="0"/>
-              <a:t> Full Cell data</a:t>
-            </a:r>
-          </a:p>
-          <a:p>
-            <a:r>
-              <a:rPr lang="en-GB" dirty="0"/>
-              <a:t>Try Symmetric cell data</a:t>
-            </a:r>
-            <a:endParaRPr lang="en-DK" dirty="0"/>
+              <a:rPr lang="da-DK"/>
+              <a:t>Date</a:t>
+            </a:r>
+            <a:endParaRPr lang="en-GB"/>
           </a:p>
         </p:txBody>
       </p:sp>
@@ -10495,7 +9596,7 @@
             <a:spLocks noGrp="1"/>
           </p:cNvSpPr>
           <p:nvPr>
-            <p:ph type="ftr" sz="quarter" idx="16"/>
+            <p:ph type="ftr" sz="quarter" idx="11"/>
           </p:nvPr>
         </p:nvSpPr>
         <p:spPr/>
@@ -10518,7 +9619,7 @@
             <a:spLocks noGrp="1"/>
           </p:cNvSpPr>
           <p:nvPr>
-            <p:ph type="sldNum" sz="quarter" idx="17"/>
+            <p:ph type="sldNum" sz="quarter" idx="12"/>
           </p:nvPr>
         </p:nvSpPr>
         <p:spPr/>
@@ -10535,41 +9636,12 @@
           </a:p>
         </p:txBody>
       </p:sp>
-      <p:sp>
-        <p:nvSpPr>
-          <p:cNvPr id="2" name="Date Placeholder 1">
+      <p:pic>
+        <p:nvPicPr>
+          <p:cNvPr id="18" name="Content Placeholder 17" descr="A screenshot of a computer&#10;&#10;Description automatically generated">
             <a:extLst>
               <a:ext uri="{FF2B5EF4-FFF2-40B4-BE49-F238E27FC236}">
-                <a16:creationId xmlns:a16="http://schemas.microsoft.com/office/drawing/2014/main" id="{77E967E4-EADF-7E19-BEDB-3653565A1E64}"/>
-              </a:ext>
-            </a:extLst>
-          </p:cNvPr>
-          <p:cNvSpPr>
-            <a:spLocks noGrp="1"/>
-          </p:cNvSpPr>
-          <p:nvPr>
-            <p:ph type="dt" sz="half" idx="25"/>
-          </p:nvPr>
-        </p:nvSpPr>
-        <p:spPr/>
-        <p:txBody>
-          <a:bodyPr/>
-          <a:lstStyle/>
-          <a:p>
-            <a:r>
-              <a:rPr lang="da-DK"/>
-              <a:t>Date</a:t>
-            </a:r>
-            <a:endParaRPr lang="en-GB"/>
-          </a:p>
-        </p:txBody>
-      </p:sp>
-      <p:pic>
-        <p:nvPicPr>
-          <p:cNvPr id="15" name="Picture Placeholder 14">
-            <a:extLst>
-              <a:ext uri="{FF2B5EF4-FFF2-40B4-BE49-F238E27FC236}">
-                <a16:creationId xmlns:a16="http://schemas.microsoft.com/office/drawing/2014/main" id="{519F4BA9-8F6D-6C2C-A3FD-B35DF7F2AB0D}"/>
+                <a16:creationId xmlns:a16="http://schemas.microsoft.com/office/drawing/2014/main" id="{91F6DC8E-F175-E941-748B-C4831DA10186}"/>
               </a:ext>
             </a:extLst>
           </p:cNvPr>
@@ -10577,115 +9649,73 @@
             <a:picLocks noGrp="1" noChangeAspect="1"/>
           </p:cNvPicPr>
           <p:nvPr>
-            <p:ph type="pic" sz="quarter" idx="18"/>
+            <p:ph idx="1"/>
           </p:nvPr>
         </p:nvPicPr>
         <p:blipFill>
-          <a:blip r:embed="rId4"/>
-          <a:srcRect l="18510" r="18510"/>
+          <a:blip r:embed="rId4">
+            <a:extLst>
+              <a:ext uri="{28A0092B-C50C-407E-A947-70E740481C1C}">
+                <a14:useLocalDpi xmlns:a14="http://schemas.microsoft.com/office/drawing/2010/main" val="0"/>
+              </a:ext>
+            </a:extLst>
+          </a:blip>
           <a:stretch>
             <a:fillRect/>
           </a:stretch>
         </p:blipFill>
         <p:spPr>
           <a:xfrm>
-            <a:off x="247650" y="1546225"/>
-            <a:ext cx="3740150" cy="2663825"/>
+            <a:off x="1918742" y="1438298"/>
+            <a:ext cx="8548022" cy="4813277"/>
+          </a:xfrm>
+        </p:spPr>
+      </p:pic>
+      <p:sp>
+        <p:nvSpPr>
+          <p:cNvPr id="16" name="AutoShape 2">
+            <a:extLst>
+              <a:ext uri="{FF2B5EF4-FFF2-40B4-BE49-F238E27FC236}">
+                <a16:creationId xmlns:a16="http://schemas.microsoft.com/office/drawing/2014/main" id="{20C0A616-4A35-5974-9541-0C48DBB5BDA4}"/>
+              </a:ext>
+            </a:extLst>
+          </p:cNvPr>
+          <p:cNvSpPr>
+            <a:spLocks noChangeAspect="1" noChangeArrowheads="1"/>
+          </p:cNvSpPr>
+          <p:nvPr/>
+        </p:nvSpPr>
+        <p:spPr bwMode="auto">
+          <a:xfrm>
+            <a:off x="5809943" y="2492896"/>
+            <a:ext cx="2529457" cy="2529457"/>
           </a:xfrm>
           <a:prstGeom prst="rect">
             <a:avLst/>
           </a:prstGeom>
+          <a:noFill/>
+          <a:extLst>
+            <a:ext uri="{909E8E84-426E-40DD-AFC4-6F175D3DCCD1}">
+              <a14:hiddenFill xmlns:a14="http://schemas.microsoft.com/office/drawing/2010/main">
+                <a:solidFill>
+                  <a:srgbClr val="FFFFFF"/>
+                </a:solidFill>
+              </a14:hiddenFill>
+            </a:ext>
+          </a:extLst>
         </p:spPr>
-      </p:pic>
-      <p:pic>
-        <p:nvPicPr>
-          <p:cNvPr id="24" name="Picture Placeholder 23">
-            <a:extLst>
-              <a:ext uri="{FF2B5EF4-FFF2-40B4-BE49-F238E27FC236}">
-                <a16:creationId xmlns:a16="http://schemas.microsoft.com/office/drawing/2014/main" id="{104A4F5B-3A4C-64E9-1BCC-42A82D12C869}"/>
-              </a:ext>
-            </a:extLst>
-          </p:cNvPr>
-          <p:cNvPicPr>
-            <a:picLocks noGrp="1" noChangeAspect="1"/>
-          </p:cNvPicPr>
-          <p:nvPr>
-            <p:ph type="pic" sz="quarter" idx="19"/>
-          </p:nvPr>
-        </p:nvPicPr>
-        <p:blipFill>
-          <a:blip r:embed="rId5"/>
-          <a:srcRect l="20581" r="20581"/>
-          <a:stretch/>
-        </p:blipFill>
-        <p:spPr/>
-      </p:pic>
-      <p:pic>
-        <p:nvPicPr>
-          <p:cNvPr id="26" name="Picture 25">
-            <a:extLst>
-              <a:ext uri="{FF2B5EF4-FFF2-40B4-BE49-F238E27FC236}">
-                <a16:creationId xmlns:a16="http://schemas.microsoft.com/office/drawing/2014/main" id="{9958492F-B4A3-FE2D-688E-07BCAB590C00}"/>
-              </a:ext>
-            </a:extLst>
-          </p:cNvPr>
-          <p:cNvPicPr>
-            <a:picLocks noChangeAspect="1"/>
-          </p:cNvPicPr>
-          <p:nvPr/>
-        </p:nvPicPr>
-        <p:blipFill>
-          <a:blip r:embed="rId5"/>
-          <a:stretch>
-            <a:fillRect/>
-          </a:stretch>
-        </p:blipFill>
-        <p:spPr>
-          <a:xfrm>
-            <a:off x="4222750" y="1546225"/>
-            <a:ext cx="3740150" cy="2663825"/>
-          </a:xfrm>
-          <a:prstGeom prst="rect">
-            <a:avLst/>
-          </a:prstGeom>
-        </p:spPr>
-      </p:pic>
-      <p:pic>
-        <p:nvPicPr>
-          <p:cNvPr id="27" name="Content Placeholder 4" descr="A graph of a red and blue line&#10;&#10;Description automatically generated">
-            <a:extLst>
-              <a:ext uri="{FF2B5EF4-FFF2-40B4-BE49-F238E27FC236}">
-                <a16:creationId xmlns:a16="http://schemas.microsoft.com/office/drawing/2014/main" id="{78933425-0B3E-561A-001E-A4C43369C336}"/>
-              </a:ext>
-            </a:extLst>
-          </p:cNvPr>
-          <p:cNvPicPr>
-            <a:picLocks noGrp="1" noChangeAspect="1"/>
-          </p:cNvPicPr>
-          <p:nvPr>
-            <p:ph type="pic" sz="quarter" idx="20"/>
-          </p:nvPr>
-        </p:nvPicPr>
-        <p:blipFill>
-          <a:blip r:embed="rId6" cstate="print">
-            <a:extLst>
-              <a:ext uri="{28A0092B-C50C-407E-A947-70E740481C1C}">
-                <a14:useLocalDpi xmlns:a14="http://schemas.microsoft.com/office/drawing/2010/main" val="0"/>
-              </a:ext>
-            </a:extLst>
-          </a:blip>
-          <a:srcRect l="1736" r="1736"/>
-          <a:stretch>
-            <a:fillRect/>
-          </a:stretch>
-        </p:blipFill>
-        <p:spPr>
-          <a:xfrm>
-            <a:off x="8199438" y="1546225"/>
-            <a:ext cx="3740150" cy="2663825"/>
-          </a:xfrm>
-        </p:spPr>
-      </p:pic>
+        <p:txBody>
+          <a:bodyPr vert="horz" wrap="square" lIns="91440" tIns="45720" rIns="91440" bIns="45720" numCol="1" anchor="t" anchorCtr="0" compatLnSpc="1">
+            <a:prstTxWarp prst="textNoShape">
+              <a:avLst/>
+            </a:prstTxWarp>
+          </a:bodyPr>
+          <a:lstStyle/>
+          <a:p>
+            <a:endParaRPr lang="en-DK"/>
+          </a:p>
+        </p:txBody>
+      </p:sp>
     </p:spTree>
     <p:custDataLst>
       <p:custData r:id="rId1"/>
@@ -10720,41 +9750,84 @@
           <a:chExt cx="0" cy="0"/>
         </a:xfrm>
       </p:grpSpPr>
-      <p:sp>
-        <p:nvSpPr>
-          <p:cNvPr id="29" name="Title 28">
+      <p:pic>
+        <p:nvPicPr>
+          <p:cNvPr id="18" name="Picture 17" descr="A white fabric with yellow spots and black spots&#10;&#10;Description automatically generated">
             <a:extLst>
               <a:ext uri="{FF2B5EF4-FFF2-40B4-BE49-F238E27FC236}">
-                <a16:creationId xmlns:a16="http://schemas.microsoft.com/office/drawing/2014/main" id="{EB972BAA-F2D8-BFFC-9FC3-DAC159DA1BB8}"/>
+                <a16:creationId xmlns:a16="http://schemas.microsoft.com/office/drawing/2014/main" id="{DA59BC6F-E2F6-FACC-695A-7D4C18F5C5D1}"/>
               </a:ext>
             </a:extLst>
           </p:cNvPr>
-          <p:cNvSpPr>
-            <a:spLocks noGrp="1"/>
-          </p:cNvSpPr>
-          <p:nvPr>
-            <p:ph type="title"/>
-          </p:nvPr>
-        </p:nvSpPr>
-        <p:spPr/>
-        <p:txBody>
-          <a:bodyPr/>
-          <a:lstStyle/>
-          <a:p>
-            <a:r>
-              <a:rPr lang="en-GB" dirty="0"/>
-              <a:t>Dampening</a:t>
-            </a:r>
-            <a:endParaRPr lang="en-DK" dirty="0"/>
-          </a:p>
-        </p:txBody>
-      </p:sp>
+          <p:cNvPicPr>
+            <a:picLocks noChangeAspect="1"/>
+          </p:cNvPicPr>
+          <p:nvPr/>
+        </p:nvPicPr>
+        <p:blipFill rotWithShape="1">
+          <a:blip r:embed="rId2" cstate="print">
+            <a:extLst>
+              <a:ext uri="{28A0092B-C50C-407E-A947-70E740481C1C}">
+                <a14:useLocalDpi xmlns:a14="http://schemas.microsoft.com/office/drawing/2010/main" val="0"/>
+              </a:ext>
+            </a:extLst>
+          </a:blip>
+          <a:srcRect t="16845" r="3" b="5834"/>
+          <a:stretch/>
+        </p:blipFill>
+        <p:spPr>
+          <a:xfrm>
+            <a:off x="1001090" y="908720"/>
+            <a:ext cx="5183887" cy="5344479"/>
+          </a:xfrm>
+          <a:prstGeom prst="rect">
+            <a:avLst/>
+          </a:prstGeom>
+          <a:noFill/>
+        </p:spPr>
+      </p:pic>
+      <p:pic>
+        <p:nvPicPr>
+          <p:cNvPr id="16" name="Picture 15" descr="A close-up of a white fabric with black objects&#10;&#10;Description automatically generated">
+            <a:extLst>
+              <a:ext uri="{FF2B5EF4-FFF2-40B4-BE49-F238E27FC236}">
+                <a16:creationId xmlns:a16="http://schemas.microsoft.com/office/drawing/2014/main" id="{DBB9D9E5-B422-5CB7-B54C-06A3FE250E10}"/>
+              </a:ext>
+            </a:extLst>
+          </p:cNvPr>
+          <p:cNvPicPr>
+            <a:picLocks noChangeAspect="1"/>
+          </p:cNvPicPr>
+          <p:nvPr/>
+        </p:nvPicPr>
+        <p:blipFill rotWithShape="1">
+          <a:blip r:embed="rId3" cstate="print">
+            <a:extLst>
+              <a:ext uri="{28A0092B-C50C-407E-A947-70E740481C1C}">
+                <a14:useLocalDpi xmlns:a14="http://schemas.microsoft.com/office/drawing/2010/main" val="0"/>
+              </a:ext>
+            </a:extLst>
+          </a:blip>
+          <a:srcRect t="22658"/>
+          <a:stretch/>
+        </p:blipFill>
+        <p:spPr>
+          <a:xfrm>
+            <a:off x="6678000" y="908720"/>
+            <a:ext cx="5182621" cy="5344479"/>
+          </a:xfrm>
+          <a:prstGeom prst="rect">
+            <a:avLst/>
+          </a:prstGeom>
+          <a:noFill/>
+        </p:spPr>
+      </p:pic>
       <p:sp>
         <p:nvSpPr>
-          <p:cNvPr id="11" name="Footer Placeholder 10">
+          <p:cNvPr id="5" name="Footer Placeholder 4">
             <a:extLst>
               <a:ext uri="{FF2B5EF4-FFF2-40B4-BE49-F238E27FC236}">
-                <a16:creationId xmlns:a16="http://schemas.microsoft.com/office/drawing/2014/main" id="{E569AE52-B9DE-2E6E-9147-B6701F80DA10}"/>
+                <a16:creationId xmlns:a16="http://schemas.microsoft.com/office/drawing/2014/main" id="{F08DDCA7-FEE0-440F-F1B4-F42133EBB13B}"/>
               </a:ext>
             </a:extLst>
           </p:cNvPr>
@@ -10765,25 +9838,36 @@
             <p:ph type="ftr" sz="quarter" idx="10"/>
           </p:nvPr>
         </p:nvSpPr>
-        <p:spPr/>
+        <p:spPr>
+          <a:xfrm>
+            <a:off x="5590800" y="6541200"/>
+            <a:ext cx="5497200" cy="316800"/>
+          </a:xfrm>
+        </p:spPr>
         <p:txBody>
-          <a:bodyPr/>
+          <a:bodyPr anchor="ctr">
+            <a:normAutofit/>
+          </a:bodyPr>
           <a:lstStyle/>
           <a:p>
+            <a:pPr>
+              <a:spcAft>
+                <a:spcPts val="600"/>
+              </a:spcAft>
+            </a:pPr>
             <a:r>
               <a:rPr lang="en-GB"/>
               <a:t>Title</a:t>
             </a:r>
-            <a:endParaRPr lang="en-GB" dirty="0"/>
           </a:p>
         </p:txBody>
       </p:sp>
       <p:sp>
         <p:nvSpPr>
-          <p:cNvPr id="12" name="Slide Number Placeholder 11">
+          <p:cNvPr id="6" name="Slide Number Placeholder 5">
             <a:extLst>
               <a:ext uri="{FF2B5EF4-FFF2-40B4-BE49-F238E27FC236}">
-                <a16:creationId xmlns:a16="http://schemas.microsoft.com/office/drawing/2014/main" id="{077236AD-FE45-31BC-E403-800C22F7A38E}"/>
+                <a16:creationId xmlns:a16="http://schemas.microsoft.com/office/drawing/2014/main" id="{CA59EEDE-76CE-C627-48F3-BD50B4C9EE2A}"/>
               </a:ext>
             </a:extLst>
           </p:cNvPr>
@@ -10794,9 +9878,16 @@
             <p:ph type="sldNum" sz="quarter" idx="11"/>
           </p:nvPr>
         </p:nvSpPr>
-        <p:spPr/>
+        <p:spPr>
+          <a:xfrm>
+            <a:off x="11506450" y="6541200"/>
+            <a:ext cx="432600" cy="316800"/>
+          </a:xfrm>
+        </p:spPr>
         <p:txBody>
-          <a:bodyPr/>
+          <a:bodyPr anchor="ctr">
+            <a:normAutofit/>
+          </a:bodyPr>
           <a:lstStyle/>
           <a:p>
             <a:fld id="{103EA872-A674-449B-A120-B97244F8E91D}" type="slidenum">
@@ -10810,10 +9901,10 @@
       </p:sp>
       <p:sp>
         <p:nvSpPr>
-          <p:cNvPr id="13" name="Date Placeholder 12">
+          <p:cNvPr id="7" name="Date Placeholder 6">
             <a:extLst>
               <a:ext uri="{FF2B5EF4-FFF2-40B4-BE49-F238E27FC236}">
-                <a16:creationId xmlns:a16="http://schemas.microsoft.com/office/drawing/2014/main" id="{A389DDF5-2172-6524-AFC4-EA56FA6E098C}"/>
+                <a16:creationId xmlns:a16="http://schemas.microsoft.com/office/drawing/2014/main" id="{804DA27C-8972-4933-6576-DD38CEE0BF39}"/>
               </a:ext>
             </a:extLst>
           </p:cNvPr>
@@ -10824,125 +9915,30 @@
             <p:ph type="dt" sz="half" idx="12"/>
           </p:nvPr>
         </p:nvSpPr>
-        <p:spPr/>
-        <p:txBody>
-          <a:bodyPr/>
-          <a:lstStyle/>
-          <a:p>
-            <a:r>
-              <a:rPr lang="da-DK"/>
-              <a:t>Date</a:t>
-            </a:r>
-            <a:endParaRPr lang="en-GB"/>
-          </a:p>
-        </p:txBody>
-      </p:sp>
-      <p:sp>
-        <p:nvSpPr>
-          <p:cNvPr id="42" name="Content Placeholder 41">
-            <a:extLst>
-              <a:ext uri="{FF2B5EF4-FFF2-40B4-BE49-F238E27FC236}">
-                <a16:creationId xmlns:a16="http://schemas.microsoft.com/office/drawing/2014/main" id="{F6C775DD-3DEC-DAC9-3604-6D946CDFE9B7}"/>
-              </a:ext>
-            </a:extLst>
-          </p:cNvPr>
-          <p:cNvSpPr>
-            <a:spLocks noGrp="1"/>
-          </p:cNvSpPr>
-          <p:nvPr>
-            <p:ph sz="half" idx="1"/>
-          </p:nvPr>
-        </p:nvSpPr>
         <p:spPr>
           <a:xfrm>
-            <a:off x="550590" y="1707008"/>
-            <a:ext cx="4410177" cy="4546800"/>
+            <a:off x="252000" y="6541200"/>
+            <a:ext cx="1105200" cy="316800"/>
           </a:xfrm>
         </p:spPr>
         <p:txBody>
-          <a:bodyPr/>
+          <a:bodyPr anchor="ctr">
+            <a:normAutofit/>
+          </a:bodyPr>
           <a:lstStyle/>
           <a:p>
             <a:r>
-              <a:rPr lang="en-GB" dirty="0"/>
-              <a:t>Felt electrode, 5.39cm2</a:t>
-            </a:r>
-          </a:p>
-          <a:p>
-            <a:r>
-              <a:rPr lang="en-GB" dirty="0"/>
-              <a:t>50mM FeCl2, 50mM FeCl3</a:t>
-            </a:r>
-          </a:p>
-          <a:p>
-            <a:r>
-              <a:rPr lang="en-GB" dirty="0"/>
-              <a:t>1M HCl</a:t>
-            </a:r>
-          </a:p>
-          <a:p>
-            <a:r>
-              <a:rPr lang="en-GB" dirty="0"/>
-              <a:t>20mL/min</a:t>
-            </a:r>
-          </a:p>
-          <a:p>
-            <a:r>
-              <a:rPr lang="en-GB" dirty="0"/>
-              <a:t>920kHz – 25mHz</a:t>
-            </a:r>
-          </a:p>
-          <a:p>
-            <a:r>
-              <a:rPr lang="en-GB" dirty="0"/>
-              <a:t>20 points per decade</a:t>
-            </a:r>
-          </a:p>
-          <a:p>
-            <a:endParaRPr lang="en-DK" dirty="0"/>
+              <a:rPr lang="da-DK"/>
+              <a:t>Date</a:t>
+            </a:r>
+            <a:endParaRPr lang="en-GB"/>
           </a:p>
         </p:txBody>
       </p:sp>
-      <p:pic>
-        <p:nvPicPr>
-          <p:cNvPr id="5" name="Picture 4" descr="A graph with red and blue lines&#10;&#10;Description automatically generated">
-            <a:extLst>
-              <a:ext uri="{FF2B5EF4-FFF2-40B4-BE49-F238E27FC236}">
-                <a16:creationId xmlns:a16="http://schemas.microsoft.com/office/drawing/2014/main" id="{DBFE6005-70EC-19C5-DF92-50BC42A84844}"/>
-              </a:ext>
-            </a:extLst>
-          </p:cNvPr>
-          <p:cNvPicPr>
-            <a:picLocks noChangeAspect="1"/>
-          </p:cNvPicPr>
-          <p:nvPr/>
-        </p:nvPicPr>
-        <p:blipFill>
-          <a:blip r:embed="rId2">
-            <a:extLst>
-              <a:ext uri="{28A0092B-C50C-407E-A947-70E740481C1C}">
-                <a14:useLocalDpi xmlns:a14="http://schemas.microsoft.com/office/drawing/2010/main" val="0"/>
-              </a:ext>
-            </a:extLst>
-          </a:blip>
-          <a:stretch>
-            <a:fillRect/>
-          </a:stretch>
-        </p:blipFill>
-        <p:spPr>
-          <a:xfrm>
-            <a:off x="4008323" y="260632"/>
-            <a:ext cx="8182090" cy="6136567"/>
-          </a:xfrm>
-          <a:prstGeom prst="rect">
-            <a:avLst/>
-          </a:prstGeom>
-        </p:spPr>
-      </p:pic>
     </p:spTree>
     <p:extLst>
       <p:ext uri="{BB962C8B-B14F-4D97-AF65-F5344CB8AC3E}">
-        <p14:creationId xmlns:p14="http://schemas.microsoft.com/office/powerpoint/2010/main" val="1350191344"/>
+        <p14:creationId xmlns:p14="http://schemas.microsoft.com/office/powerpoint/2010/main" val="2973335359"/>
       </p:ext>
     </p:extLst>
   </p:cSld>
@@ -10969,52 +9965,21 @@
           <a:chExt cx="0" cy="0"/>
         </a:xfrm>
       </p:grpSpPr>
-      <p:sp>
-        <p:nvSpPr>
-          <p:cNvPr id="29" name="Title 28">
+      <p:pic>
+        <p:nvPicPr>
+          <p:cNvPr id="10" name="Picture 9">
             <a:extLst>
               <a:ext uri="{FF2B5EF4-FFF2-40B4-BE49-F238E27FC236}">
-                <a16:creationId xmlns:a16="http://schemas.microsoft.com/office/drawing/2014/main" id="{EB972BAA-F2D8-BFFC-9FC3-DAC159DA1BB8}"/>
-              </a:ext>
-            </a:extLst>
-          </p:cNvPr>
-          <p:cNvSpPr>
-            <a:spLocks noGrp="1"/>
-          </p:cNvSpPr>
-          <p:nvPr>
-            <p:ph type="title"/>
-          </p:nvPr>
-        </p:nvSpPr>
-        <p:spPr/>
-        <p:txBody>
-          <a:bodyPr/>
-          <a:lstStyle/>
-          <a:p>
-            <a:r>
-              <a:rPr lang="en-GB" dirty="0"/>
-              <a:t>Dampening</a:t>
-            </a:r>
-            <a:endParaRPr lang="en-DK" dirty="0"/>
-          </a:p>
-        </p:txBody>
-      </p:sp>
-      <p:pic>
-        <p:nvPicPr>
-          <p:cNvPr id="14" name="Content Placeholder 13">
-            <a:extLst>
-              <a:ext uri="{FF2B5EF4-FFF2-40B4-BE49-F238E27FC236}">
-                <a16:creationId xmlns:a16="http://schemas.microsoft.com/office/drawing/2014/main" id="{F48657EB-0E3B-A145-5A87-582092510EC1}"/>
+                <a16:creationId xmlns:a16="http://schemas.microsoft.com/office/drawing/2014/main" id="{C4664572-D007-56C2-8ECD-B423C17AF54A}"/>
               </a:ext>
             </a:extLst>
           </p:cNvPr>
           <p:cNvPicPr>
-            <a:picLocks noGrp="1" noChangeAspect="1"/>
+            <a:picLocks noChangeAspect="1"/>
           </p:cNvPicPr>
-          <p:nvPr>
-            <p:ph sz="half" idx="1"/>
-          </p:nvPr>
+          <p:nvPr/>
         </p:nvPicPr>
-        <p:blipFill>
+        <p:blipFill rotWithShape="1">
           <a:blip r:embed="rId2" cstate="print">
             <a:extLst>
               <a:ext uri="{28A0092B-C50C-407E-A947-70E740481C1C}">
@@ -11022,33 +9987,35 @@
               </a:ext>
             </a:extLst>
           </a:blip>
-          <a:srcRect/>
+          <a:srcRect t="11803" r="3" b="10876"/>
           <a:stretch/>
         </p:blipFill>
         <p:spPr>
           <a:xfrm>
-            <a:off x="63950" y="1380508"/>
-            <a:ext cx="6226532" cy="4280740"/>
+            <a:off x="931246" y="836712"/>
+            <a:ext cx="5253732" cy="5416487"/>
           </a:xfrm>
+          <a:prstGeom prst="rect">
+            <a:avLst/>
+          </a:prstGeom>
+          <a:noFill/>
         </p:spPr>
       </p:pic>
       <p:pic>
         <p:nvPicPr>
-          <p:cNvPr id="16" name="Content Placeholder 15">
+          <p:cNvPr id="15" name="Picture 14" descr="A container with liquid in it&#10;&#10;Description automatically generated">
             <a:extLst>
               <a:ext uri="{FF2B5EF4-FFF2-40B4-BE49-F238E27FC236}">
-                <a16:creationId xmlns:a16="http://schemas.microsoft.com/office/drawing/2014/main" id="{C4CC3D62-3CA0-B421-06AB-C5FF86DAEBCA}"/>
+                <a16:creationId xmlns:a16="http://schemas.microsoft.com/office/drawing/2014/main" id="{26A24DFC-55F0-C692-0F6A-983ED6CDC31F}"/>
               </a:ext>
             </a:extLst>
           </p:cNvPr>
           <p:cNvPicPr>
-            <a:picLocks noGrp="1" noChangeAspect="1"/>
+            <a:picLocks noChangeAspect="1"/>
           </p:cNvPicPr>
-          <p:nvPr>
-            <p:ph sz="half" idx="2"/>
-          </p:nvPr>
+          <p:nvPr/>
         </p:nvPicPr>
-        <p:blipFill>
+        <p:blipFill rotWithShape="1">
           <a:blip r:embed="rId3" cstate="print">
             <a:extLst>
               <a:ext uri="{28A0092B-C50C-407E-A947-70E740481C1C}">
@@ -11056,14 +10023,18 @@
               </a:ext>
             </a:extLst>
           </a:blip>
-          <a:srcRect/>
+          <a:srcRect t="14234" b="8423"/>
           <a:stretch/>
         </p:blipFill>
         <p:spPr>
           <a:xfrm>
-            <a:off x="6167213" y="1564265"/>
-            <a:ext cx="5959250" cy="4096983"/>
+            <a:off x="6678001" y="836712"/>
+            <a:ext cx="5252448" cy="5416487"/>
           </a:xfrm>
+          <a:prstGeom prst="rect">
+            <a:avLst/>
+          </a:prstGeom>
+          <a:noFill/>
         </p:spPr>
       </p:pic>
       <p:sp>
@@ -11082,16 +10053,27 @@
             <p:ph type="ftr" sz="quarter" idx="10"/>
           </p:nvPr>
         </p:nvSpPr>
-        <p:spPr/>
+        <p:spPr>
+          <a:xfrm>
+            <a:off x="5590800" y="6541200"/>
+            <a:ext cx="5497200" cy="316800"/>
+          </a:xfrm>
+        </p:spPr>
         <p:txBody>
-          <a:bodyPr/>
+          <a:bodyPr anchor="ctr">
+            <a:normAutofit/>
+          </a:bodyPr>
           <a:lstStyle/>
           <a:p>
+            <a:pPr>
+              <a:spcAft>
+                <a:spcPts val="600"/>
+              </a:spcAft>
+            </a:pPr>
             <a:r>
               <a:rPr lang="en-GB"/>
               <a:t>Title</a:t>
             </a:r>
-            <a:endParaRPr lang="en-GB" dirty="0"/>
           </a:p>
         </p:txBody>
       </p:sp>
@@ -11111,9 +10093,16 @@
             <p:ph type="sldNum" sz="quarter" idx="11"/>
           </p:nvPr>
         </p:nvSpPr>
-        <p:spPr/>
+        <p:spPr>
+          <a:xfrm>
+            <a:off x="11506450" y="6541200"/>
+            <a:ext cx="432600" cy="316800"/>
+          </a:xfrm>
+        </p:spPr>
         <p:txBody>
-          <a:bodyPr/>
+          <a:bodyPr anchor="ctr">
+            <a:normAutofit/>
+          </a:bodyPr>
           <a:lstStyle/>
           <a:p>
             <a:fld id="{103EA872-A674-449B-A120-B97244F8E91D}" type="slidenum">
@@ -11141,9 +10130,16 @@
             <p:ph type="dt" sz="half" idx="12"/>
           </p:nvPr>
         </p:nvSpPr>
-        <p:spPr/>
+        <p:spPr>
+          <a:xfrm>
+            <a:off x="252000" y="6541200"/>
+            <a:ext cx="1105200" cy="316800"/>
+          </a:xfrm>
+        </p:spPr>
         <p:txBody>
-          <a:bodyPr/>
+          <a:bodyPr anchor="ctr">
+            <a:normAutofit/>
+          </a:bodyPr>
           <a:lstStyle/>
           <a:p>
             <a:r>
@@ -11157,7 +10153,7 @@
     </p:spTree>
     <p:extLst>
       <p:ext uri="{BB962C8B-B14F-4D97-AF65-F5344CB8AC3E}">
-        <p14:creationId xmlns:p14="http://schemas.microsoft.com/office/powerpoint/2010/main" val="608412994"/>
+        <p14:creationId xmlns:p14="http://schemas.microsoft.com/office/powerpoint/2010/main" val="1350191344"/>
       </p:ext>
     </p:extLst>
   </p:cSld>
@@ -11186,10 +10182,10 @@
       </p:grpSpPr>
       <p:sp>
         <p:nvSpPr>
-          <p:cNvPr id="8" name="Title 7">
+          <p:cNvPr id="2" name="Title 1">
             <a:extLst>
               <a:ext uri="{FF2B5EF4-FFF2-40B4-BE49-F238E27FC236}">
-                <a16:creationId xmlns:a16="http://schemas.microsoft.com/office/drawing/2014/main" id="{523C818A-3A55-185B-A342-1876ECC3BFF8}"/>
+                <a16:creationId xmlns:a16="http://schemas.microsoft.com/office/drawing/2014/main" id="{316B091F-F46A-0CF2-E0FD-0D0C54D14E8E}"/>
               </a:ext>
             </a:extLst>
           </p:cNvPr>
@@ -11206,8 +10202,8 @@
           <a:lstStyle/>
           <a:p>
             <a:r>
-              <a:rPr lang="en-GB" dirty="0"/>
-              <a:t>Sidestep</a:t>
+              <a:rPr lang="en-US" dirty="0"/>
+              <a:t>Pump calibration</a:t>
             </a:r>
             <a:endParaRPr lang="en-DK" dirty="0"/>
           </a:p>
@@ -11215,10 +10211,10 @@
       </p:sp>
       <p:sp>
         <p:nvSpPr>
-          <p:cNvPr id="9" name="Content Placeholder 8">
+          <p:cNvPr id="7" name="Date Placeholder 6">
             <a:extLst>
               <a:ext uri="{FF2B5EF4-FFF2-40B4-BE49-F238E27FC236}">
-                <a16:creationId xmlns:a16="http://schemas.microsoft.com/office/drawing/2014/main" id="{4CCF8CC5-DF2B-C6D9-3644-694ADCED316C}"/>
+                <a16:creationId xmlns:a16="http://schemas.microsoft.com/office/drawing/2014/main" id="{90624A2E-EB5A-4644-650F-A9A6AF623E2E}"/>
               </a:ext>
             </a:extLst>
           </p:cNvPr>
@@ -11226,98 +10222,7 @@
             <a:spLocks noGrp="1"/>
           </p:cNvSpPr>
           <p:nvPr>
-            <p:ph sz="half" idx="1"/>
-          </p:nvPr>
-        </p:nvSpPr>
-        <p:spPr>
-          <a:xfrm>
-            <a:off x="766614" y="1706399"/>
-            <a:ext cx="3634575" cy="4546800"/>
-          </a:xfrm>
-        </p:spPr>
-        <p:txBody>
-          <a:bodyPr/>
-          <a:lstStyle/>
-          <a:p>
-            <a:r>
-              <a:rPr lang="en-GB" dirty="0"/>
-              <a:t>Unexpected behaviour in initial tail</a:t>
-            </a:r>
-          </a:p>
-          <a:p>
-            <a:r>
-              <a:rPr lang="en-GB" dirty="0"/>
-              <a:t>Only difference is from attaching dampeners.</a:t>
-            </a:r>
-          </a:p>
-          <a:p>
-            <a:r>
-              <a:rPr lang="en-GB" dirty="0"/>
-              <a:t>This effect was not observed in subsequent experiments</a:t>
-            </a:r>
-          </a:p>
-          <a:p>
-            <a:r>
-              <a:rPr lang="en-GB" dirty="0"/>
-              <a:t>40mL/min was measured a couple of days later (weekend), which is the likely cause of the notable increase in </a:t>
-            </a:r>
-            <a:r>
-              <a:rPr lang="en-GB" dirty="0" err="1"/>
-              <a:t>R_ct</a:t>
-            </a:r>
-            <a:endParaRPr lang="en-GB" dirty="0"/>
-          </a:p>
-        </p:txBody>
-      </p:sp>
-      <p:pic>
-        <p:nvPicPr>
-          <p:cNvPr id="3" name="Content Placeholder 2" descr="A graph with colored lines and numbers&#10;&#10;Description automatically generated">
-            <a:extLst>
-              <a:ext uri="{FF2B5EF4-FFF2-40B4-BE49-F238E27FC236}">
-                <a16:creationId xmlns:a16="http://schemas.microsoft.com/office/drawing/2014/main" id="{758162F7-AD68-7586-37A1-F75E029752A0}"/>
-              </a:ext>
-            </a:extLst>
-          </p:cNvPr>
-          <p:cNvPicPr>
-            <a:picLocks noGrp="1" noChangeAspect="1"/>
-          </p:cNvPicPr>
-          <p:nvPr>
-            <p:ph sz="half" idx="2"/>
-          </p:nvPr>
-        </p:nvPicPr>
-        <p:blipFill>
-          <a:blip r:embed="rId2">
-            <a:extLst>
-              <a:ext uri="{28A0092B-C50C-407E-A947-70E740481C1C}">
-                <a14:useLocalDpi xmlns:a14="http://schemas.microsoft.com/office/drawing/2010/main" val="0"/>
-              </a:ext>
-            </a:extLst>
-          </a:blip>
-          <a:stretch>
-            <a:fillRect/>
-          </a:stretch>
-        </p:blipFill>
-        <p:spPr>
-          <a:xfrm>
-            <a:off x="4401188" y="555282"/>
-            <a:ext cx="7789225" cy="5841918"/>
-          </a:xfrm>
-        </p:spPr>
-      </p:pic>
-      <p:sp>
-        <p:nvSpPr>
-          <p:cNvPr id="5" name="Footer Placeholder 4">
-            <a:extLst>
-              <a:ext uri="{FF2B5EF4-FFF2-40B4-BE49-F238E27FC236}">
-                <a16:creationId xmlns:a16="http://schemas.microsoft.com/office/drawing/2014/main" id="{F08DDCA7-FEE0-440F-F1B4-F42133EBB13B}"/>
-              </a:ext>
-            </a:extLst>
-          </p:cNvPr>
-          <p:cNvSpPr>
-            <a:spLocks noGrp="1"/>
-          </p:cNvSpPr>
-          <p:nvPr>
-            <p:ph type="ftr" sz="quarter" idx="10"/>
+            <p:ph type="dt" sz="half" idx="10"/>
           </p:nvPr>
         </p:nvSpPr>
         <p:spPr/>
@@ -11326,647 +10231,10 @@
           <a:lstStyle/>
           <a:p>
             <a:r>
-              <a:rPr lang="en-GB"/>
-              <a:t>Title</a:t>
-            </a:r>
-            <a:endParaRPr lang="en-GB" dirty="0"/>
-          </a:p>
-        </p:txBody>
-      </p:sp>
-      <p:sp>
-        <p:nvSpPr>
-          <p:cNvPr id="6" name="Slide Number Placeholder 5">
-            <a:extLst>
-              <a:ext uri="{FF2B5EF4-FFF2-40B4-BE49-F238E27FC236}">
-                <a16:creationId xmlns:a16="http://schemas.microsoft.com/office/drawing/2014/main" id="{CA59EEDE-76CE-C627-48F3-BD50B4C9EE2A}"/>
-              </a:ext>
-            </a:extLst>
-          </p:cNvPr>
-          <p:cNvSpPr>
-            <a:spLocks noGrp="1"/>
-          </p:cNvSpPr>
-          <p:nvPr>
-            <p:ph type="sldNum" sz="quarter" idx="11"/>
-          </p:nvPr>
-        </p:nvSpPr>
-        <p:spPr/>
-        <p:txBody>
-          <a:bodyPr/>
-          <a:lstStyle/>
-          <a:p>
-            <a:fld id="{103EA872-A674-449B-A120-B97244F8E91D}" type="slidenum">
-              <a:rPr lang="en-GB" smtClean="0"/>
-              <a:pPr/>
-              <a:t>6</a:t>
-            </a:fld>
-            <a:endParaRPr lang="en-GB" dirty="0"/>
-          </a:p>
-        </p:txBody>
-      </p:sp>
-      <p:sp>
-        <p:nvSpPr>
-          <p:cNvPr id="7" name="Date Placeholder 6">
-            <a:extLst>
-              <a:ext uri="{FF2B5EF4-FFF2-40B4-BE49-F238E27FC236}">
-                <a16:creationId xmlns:a16="http://schemas.microsoft.com/office/drawing/2014/main" id="{804DA27C-8972-4933-6576-DD38CEE0BF39}"/>
-              </a:ext>
-            </a:extLst>
-          </p:cNvPr>
-          <p:cNvSpPr>
-            <a:spLocks noGrp="1"/>
-          </p:cNvSpPr>
-          <p:nvPr>
-            <p:ph type="dt" sz="half" idx="12"/>
-          </p:nvPr>
-        </p:nvSpPr>
-        <p:spPr/>
-        <p:txBody>
-          <a:bodyPr/>
-          <a:lstStyle/>
-          <a:p>
-            <a:r>
               <a:rPr lang="da-DK"/>
               <a:t>Date</a:t>
             </a:r>
             <a:endParaRPr lang="en-GB"/>
-          </a:p>
-        </p:txBody>
-      </p:sp>
-    </p:spTree>
-    <p:extLst>
-      <p:ext uri="{BB962C8B-B14F-4D97-AF65-F5344CB8AC3E}">
-        <p14:creationId xmlns:p14="http://schemas.microsoft.com/office/powerpoint/2010/main" val="2973335359"/>
-      </p:ext>
-    </p:extLst>
-  </p:cSld>
-  <p:clrMapOvr>
-    <a:masterClrMapping/>
-  </p:clrMapOvr>
-</p:sld>
-</file>
-
-<file path=ppt/slides/slide7.xml><?xml version="1.0" encoding="utf-8"?>
-<p:sld xmlns:a="http://schemas.openxmlformats.org/drawingml/2006/main" xmlns:r="http://schemas.openxmlformats.org/officeDocument/2006/relationships" xmlns:p="http://schemas.openxmlformats.org/presentationml/2006/main">
-  <p:cSld>
-    <p:spTree>
-      <p:nvGrpSpPr>
-        <p:cNvPr id="1" name=""/>
-        <p:cNvGrpSpPr/>
-        <p:nvPr/>
-      </p:nvGrpSpPr>
-      <p:grpSpPr>
-        <a:xfrm>
-          <a:off x="0" y="0"/>
-          <a:ext cx="0" cy="0"/>
-          <a:chOff x="0" y="0"/>
-          <a:chExt cx="0" cy="0"/>
-        </a:xfrm>
-      </p:grpSpPr>
-      <p:graphicFrame>
-        <p:nvGraphicFramePr>
-          <p:cNvPr id="8" name="Content Placeholder 7">
-            <a:extLst>
-              <a:ext uri="{FF2B5EF4-FFF2-40B4-BE49-F238E27FC236}">
-                <a16:creationId xmlns:a16="http://schemas.microsoft.com/office/drawing/2014/main" id="{152049D3-B3F4-ACE7-9941-485ED46B7B77}"/>
-              </a:ext>
-            </a:extLst>
-          </p:cNvPr>
-          <p:cNvGraphicFramePr>
-            <a:graphicFrameLocks noGrp="1"/>
-          </p:cNvGraphicFramePr>
-          <p:nvPr>
-            <p:ph sz="half" idx="1"/>
-            <p:extLst>
-              <p:ext uri="{D42A27DB-BD31-4B8C-83A1-F6EECF244321}">
-                <p14:modId xmlns:p14="http://schemas.microsoft.com/office/powerpoint/2010/main" val="4104545661"/>
-              </p:ext>
-            </p:extLst>
-          </p:nvPr>
-        </p:nvGraphicFramePr>
-        <p:xfrm>
-          <a:off x="5879182" y="4057748"/>
-          <a:ext cx="5346280" cy="2026920"/>
-        </p:xfrm>
-        <a:graphic>
-          <a:graphicData uri="http://schemas.openxmlformats.org/drawingml/2006/table">
-            <a:tbl>
-              <a:tblPr firstRow="1" bandRow="1">
-                <a:tableStyleId>{5C22544A-7EE6-4342-B048-85BDC9FD1C3A}</a:tableStyleId>
-              </a:tblPr>
-              <a:tblGrid>
-                <a:gridCol w="1069256">
-                  <a:extLst>
-                    <a:ext uri="{9D8B030D-6E8A-4147-A177-3AD203B41FA5}">
-                      <a16:colId xmlns:a16="http://schemas.microsoft.com/office/drawing/2014/main" val="3282937438"/>
-                    </a:ext>
-                  </a:extLst>
-                </a:gridCol>
-                <a:gridCol w="1069256">
-                  <a:extLst>
-                    <a:ext uri="{9D8B030D-6E8A-4147-A177-3AD203B41FA5}">
-                      <a16:colId xmlns:a16="http://schemas.microsoft.com/office/drawing/2014/main" val="50997772"/>
-                    </a:ext>
-                  </a:extLst>
-                </a:gridCol>
-                <a:gridCol w="1069256">
-                  <a:extLst>
-                    <a:ext uri="{9D8B030D-6E8A-4147-A177-3AD203B41FA5}">
-                      <a16:colId xmlns:a16="http://schemas.microsoft.com/office/drawing/2014/main" val="2987769118"/>
-                    </a:ext>
-                  </a:extLst>
-                </a:gridCol>
-                <a:gridCol w="1069256">
-                  <a:extLst>
-                    <a:ext uri="{9D8B030D-6E8A-4147-A177-3AD203B41FA5}">
-                      <a16:colId xmlns:a16="http://schemas.microsoft.com/office/drawing/2014/main" val="3144170881"/>
-                    </a:ext>
-                  </a:extLst>
-                </a:gridCol>
-                <a:gridCol w="1069256">
-                  <a:extLst>
-                    <a:ext uri="{9D8B030D-6E8A-4147-A177-3AD203B41FA5}">
-                      <a16:colId xmlns:a16="http://schemas.microsoft.com/office/drawing/2014/main" val="1210964586"/>
-                    </a:ext>
-                  </a:extLst>
-                </a:gridCol>
-              </a:tblGrid>
-              <a:tr h="370840">
-                <a:tc>
-                  <a:txBody>
-                    <a:bodyPr/>
-                    <a:lstStyle/>
-                    <a:p>
-                      <a:r>
-                        <a:rPr lang="en-US" dirty="0"/>
-                        <a:t>Electrode/Flow Velocity</a:t>
-                      </a:r>
-                      <a:endParaRPr lang="en-DK" dirty="0"/>
-                    </a:p>
-                  </a:txBody>
-                  <a:tcPr/>
-                </a:tc>
-                <a:tc>
-                  <a:txBody>
-                    <a:bodyPr/>
-                    <a:lstStyle/>
-                    <a:p>
-                      <a:r>
-                        <a:rPr lang="en-US" dirty="0"/>
-                        <a:t>0.5 cm/s</a:t>
-                      </a:r>
-                      <a:endParaRPr lang="en-DK" dirty="0"/>
-                    </a:p>
-                  </a:txBody>
-                  <a:tcPr/>
-                </a:tc>
-                <a:tc>
-                  <a:txBody>
-                    <a:bodyPr/>
-                    <a:lstStyle/>
-                    <a:p>
-                      <a:r>
-                        <a:rPr lang="en-US" dirty="0"/>
-                        <a:t>1</a:t>
-                      </a:r>
-                    </a:p>
-                    <a:p>
-                      <a:r>
-                        <a:rPr lang="en-US" dirty="0"/>
-                        <a:t>cm/s</a:t>
-                      </a:r>
-                      <a:endParaRPr lang="en-DK" dirty="0"/>
-                    </a:p>
-                  </a:txBody>
-                  <a:tcPr/>
-                </a:tc>
-                <a:tc>
-                  <a:txBody>
-                    <a:bodyPr/>
-                    <a:lstStyle/>
-                    <a:p>
-                      <a:r>
-                        <a:rPr lang="en-US" dirty="0"/>
-                        <a:t>2</a:t>
-                      </a:r>
-                    </a:p>
-                    <a:p>
-                      <a:r>
-                        <a:rPr lang="en-US" dirty="0"/>
-                        <a:t>cm/s</a:t>
-                      </a:r>
-                      <a:endParaRPr lang="en-DK" dirty="0"/>
-                    </a:p>
-                  </a:txBody>
-                  <a:tcPr/>
-                </a:tc>
-                <a:tc>
-                  <a:txBody>
-                    <a:bodyPr/>
-                    <a:lstStyle/>
-                    <a:p>
-                      <a:r>
-                        <a:rPr lang="en-US" dirty="0"/>
-                        <a:t>5</a:t>
-                      </a:r>
-                    </a:p>
-                    <a:p>
-                      <a:r>
-                        <a:rPr lang="en-US" dirty="0"/>
-                        <a:t>cm/s</a:t>
-                      </a:r>
-                      <a:endParaRPr lang="en-DK" dirty="0"/>
-                    </a:p>
-                  </a:txBody>
-                  <a:tcPr/>
-                </a:tc>
-                <a:extLst>
-                  <a:ext uri="{0D108BD9-81ED-4DB2-BD59-A6C34878D82A}">
-                    <a16:rowId xmlns:a16="http://schemas.microsoft.com/office/drawing/2014/main" val="1802357682"/>
-                  </a:ext>
-                </a:extLst>
-              </a:tr>
-              <a:tr h="370840">
-                <a:tc>
-                  <a:txBody>
-                    <a:bodyPr/>
-                    <a:lstStyle/>
-                    <a:p>
-                      <a:r>
-                        <a:rPr lang="en-US" dirty="0"/>
-                        <a:t>Felt</a:t>
-                      </a:r>
-                      <a:endParaRPr lang="en-DK" dirty="0"/>
-                    </a:p>
-                  </a:txBody>
-                  <a:tcPr/>
-                </a:tc>
-                <a:tc>
-                  <a:txBody>
-                    <a:bodyPr/>
-                    <a:lstStyle/>
-                    <a:p>
-                      <a:r>
-                        <a:rPr lang="en-DK" dirty="0"/>
-                        <a:t>12.</a:t>
-                      </a:r>
-                      <a:r>
-                        <a:rPr lang="en-US" dirty="0"/>
-                        <a:t>10</a:t>
-                      </a:r>
-                      <a:endParaRPr lang="en-DK" dirty="0"/>
-                    </a:p>
-                  </a:txBody>
-                  <a:tcPr/>
-                </a:tc>
-                <a:tc>
-                  <a:txBody>
-                    <a:bodyPr/>
-                    <a:lstStyle/>
-                    <a:p>
-                      <a:r>
-                        <a:rPr lang="en-DK" dirty="0"/>
-                        <a:t>24.15</a:t>
-                      </a:r>
-                    </a:p>
-                  </a:txBody>
-                  <a:tcPr/>
-                </a:tc>
-                <a:tc>
-                  <a:txBody>
-                    <a:bodyPr/>
-                    <a:lstStyle/>
-                    <a:p>
-                      <a:r>
-                        <a:rPr lang="en-DK" dirty="0"/>
-                        <a:t>48.3</a:t>
-                      </a:r>
-                      <a:r>
-                        <a:rPr lang="en-US" dirty="0"/>
-                        <a:t>0</a:t>
-                      </a:r>
-                      <a:endParaRPr lang="en-DK" dirty="0"/>
-                    </a:p>
-                  </a:txBody>
-                  <a:tcPr/>
-                </a:tc>
-                <a:tc>
-                  <a:txBody>
-                    <a:bodyPr/>
-                    <a:lstStyle/>
-                    <a:p>
-                      <a:r>
-                        <a:rPr lang="en-DK" dirty="0"/>
-                        <a:t>120.7</a:t>
-                      </a:r>
-                      <a:r>
-                        <a:rPr lang="en-US" dirty="0"/>
-                        <a:t>5</a:t>
-                      </a:r>
-                      <a:endParaRPr lang="en-DK" dirty="0"/>
-                    </a:p>
-                  </a:txBody>
-                  <a:tcPr/>
-                </a:tc>
-                <a:extLst>
-                  <a:ext uri="{0D108BD9-81ED-4DB2-BD59-A6C34878D82A}">
-                    <a16:rowId xmlns:a16="http://schemas.microsoft.com/office/drawing/2014/main" val="2344993789"/>
-                  </a:ext>
-                </a:extLst>
-              </a:tr>
-              <a:tr h="370840">
-                <a:tc>
-                  <a:txBody>
-                    <a:bodyPr/>
-                    <a:lstStyle/>
-                    <a:p>
-                      <a:r>
-                        <a:rPr lang="en-US" dirty="0"/>
-                        <a:t>Cloth</a:t>
-                      </a:r>
-                      <a:endParaRPr lang="en-DK" dirty="0"/>
-                    </a:p>
-                  </a:txBody>
-                  <a:tcPr/>
-                </a:tc>
-                <a:tc>
-                  <a:txBody>
-                    <a:bodyPr/>
-                    <a:lstStyle/>
-                    <a:p>
-                      <a:r>
-                        <a:rPr lang="en-DK" dirty="0"/>
-                        <a:t>2.24</a:t>
-                      </a:r>
-                    </a:p>
-                  </a:txBody>
-                  <a:tcPr/>
-                </a:tc>
-                <a:tc>
-                  <a:txBody>
-                    <a:bodyPr/>
-                    <a:lstStyle/>
-                    <a:p>
-                      <a:r>
-                        <a:rPr lang="en-DK" dirty="0"/>
-                        <a:t>4.48</a:t>
-                      </a:r>
-                    </a:p>
-                  </a:txBody>
-                  <a:tcPr/>
-                </a:tc>
-                <a:tc>
-                  <a:txBody>
-                    <a:bodyPr/>
-                    <a:lstStyle/>
-                    <a:p>
-                      <a:r>
-                        <a:rPr lang="en-DK" dirty="0"/>
-                        <a:t>8.96</a:t>
-                      </a:r>
-                    </a:p>
-                  </a:txBody>
-                  <a:tcPr/>
-                </a:tc>
-                <a:tc>
-                  <a:txBody>
-                    <a:bodyPr/>
-                    <a:lstStyle/>
-                    <a:p>
-                      <a:r>
-                        <a:rPr lang="en-DK" dirty="0"/>
-                        <a:t>22.41</a:t>
-                      </a:r>
-                    </a:p>
-                  </a:txBody>
-                  <a:tcPr/>
-                </a:tc>
-                <a:extLst>
-                  <a:ext uri="{0D108BD9-81ED-4DB2-BD59-A6C34878D82A}">
-                    <a16:rowId xmlns:a16="http://schemas.microsoft.com/office/drawing/2014/main" val="2220271453"/>
-                  </a:ext>
-                </a:extLst>
-              </a:tr>
-              <a:tr h="370840">
-                <a:tc>
-                  <a:txBody>
-                    <a:bodyPr/>
-                    <a:lstStyle/>
-                    <a:p>
-                      <a:r>
-                        <a:rPr lang="en-US" dirty="0"/>
-                        <a:t>Paper</a:t>
-                      </a:r>
-                      <a:endParaRPr lang="en-DK" dirty="0"/>
-                    </a:p>
-                  </a:txBody>
-                  <a:tcPr/>
-                </a:tc>
-                <a:tc>
-                  <a:txBody>
-                    <a:bodyPr/>
-                    <a:lstStyle/>
-                    <a:p>
-                      <a:r>
-                        <a:rPr lang="en-DK" dirty="0"/>
-                        <a:t>1.1</a:t>
-                      </a:r>
-                      <a:r>
-                        <a:rPr lang="en-US" dirty="0"/>
-                        <a:t>1</a:t>
-                      </a:r>
-                      <a:endParaRPr lang="en-DK" dirty="0"/>
-                    </a:p>
-                  </a:txBody>
-                  <a:tcPr/>
-                </a:tc>
-                <a:tc>
-                  <a:txBody>
-                    <a:bodyPr/>
-                    <a:lstStyle/>
-                    <a:p>
-                      <a:r>
-                        <a:rPr lang="en-DK" dirty="0"/>
-                        <a:t>2.2</a:t>
-                      </a:r>
-                      <a:r>
-                        <a:rPr lang="en-US" dirty="0"/>
-                        <a:t>2</a:t>
-                      </a:r>
-                      <a:endParaRPr lang="en-DK" dirty="0"/>
-                    </a:p>
-                  </a:txBody>
-                  <a:tcPr/>
-                </a:tc>
-                <a:tc>
-                  <a:txBody>
-                    <a:bodyPr/>
-                    <a:lstStyle/>
-                    <a:p>
-                      <a:r>
-                        <a:rPr lang="en-DK" dirty="0"/>
-                        <a:t>4.4</a:t>
-                      </a:r>
-                      <a:r>
-                        <a:rPr lang="en-US" dirty="0"/>
-                        <a:t>4</a:t>
-                      </a:r>
-                      <a:endParaRPr lang="en-DK" dirty="0"/>
-                    </a:p>
-                  </a:txBody>
-                  <a:tcPr/>
-                </a:tc>
-                <a:tc>
-                  <a:txBody>
-                    <a:bodyPr/>
-                    <a:lstStyle/>
-                    <a:p>
-                      <a:r>
-                        <a:rPr lang="en-DK" dirty="0"/>
-                        <a:t>11.</a:t>
-                      </a:r>
-                      <a:r>
-                        <a:rPr lang="en-US" dirty="0"/>
-                        <a:t>10</a:t>
-                      </a:r>
-                      <a:endParaRPr lang="en-DK" dirty="0"/>
-                    </a:p>
-                  </a:txBody>
-                  <a:tcPr/>
-                </a:tc>
-                <a:extLst>
-                  <a:ext uri="{0D108BD9-81ED-4DB2-BD59-A6C34878D82A}">
-                    <a16:rowId xmlns:a16="http://schemas.microsoft.com/office/drawing/2014/main" val="3228600451"/>
-                  </a:ext>
-                </a:extLst>
-              </a:tr>
-            </a:tbl>
-          </a:graphicData>
-        </a:graphic>
-      </p:graphicFrame>
-      <p:sp>
-        <p:nvSpPr>
-          <p:cNvPr id="4" name="Content Placeholder 3">
-            <a:extLst>
-              <a:ext uri="{FF2B5EF4-FFF2-40B4-BE49-F238E27FC236}">
-                <a16:creationId xmlns:a16="http://schemas.microsoft.com/office/drawing/2014/main" id="{283048A3-9F56-8057-67DA-A96AC5CDEA73}"/>
-              </a:ext>
-            </a:extLst>
-          </p:cNvPr>
-          <p:cNvSpPr>
-            <a:spLocks noGrp="1"/>
-          </p:cNvSpPr>
-          <p:nvPr>
-            <p:ph sz="half" idx="2"/>
-          </p:nvPr>
-        </p:nvSpPr>
-        <p:spPr>
-          <a:xfrm>
-            <a:off x="252000" y="1196752"/>
-            <a:ext cx="5346280" cy="5122864"/>
-          </a:xfrm>
-        </p:spPr>
-        <p:txBody>
-          <a:bodyPr/>
-          <a:lstStyle/>
-          <a:p>
-            <a:r>
-              <a:rPr lang="en-GB" dirty="0"/>
-              <a:t>Cell maintenance-</a:t>
-            </a:r>
-          </a:p>
-          <a:p>
-            <a:pPr marL="0" indent="0">
-              <a:buNone/>
-            </a:pPr>
-            <a:r>
-              <a:rPr lang="en-GB" dirty="0"/>
-              <a:t>	Visual inspection of components, 	especially current collectors and 	carbon-blocks</a:t>
-            </a:r>
-          </a:p>
-          <a:p>
-            <a:r>
-              <a:rPr lang="en-GB" dirty="0"/>
-              <a:t>Setup empty cell</a:t>
-            </a:r>
-          </a:p>
-          <a:p>
-            <a:pPr marL="0" indent="0">
-              <a:buNone/>
-            </a:pPr>
-            <a:r>
-              <a:rPr lang="en-GB" dirty="0"/>
-              <a:t>	Fresh, large batch of 1M HCL</a:t>
-            </a:r>
-          </a:p>
-          <a:p>
-            <a:pPr marL="0" indent="0">
-              <a:buNone/>
-            </a:pPr>
-            <a:r>
-              <a:rPr lang="en-GB" dirty="0"/>
-              <a:t>	Pump through for ~30min</a:t>
-            </a:r>
-          </a:p>
-          <a:p>
-            <a:pPr marL="0" indent="0">
-              <a:buNone/>
-            </a:pPr>
-            <a:r>
-              <a:rPr lang="en-GB" dirty="0"/>
-              <a:t>	New, fresh 1M HCL solution</a:t>
-            </a:r>
-          </a:p>
-          <a:p>
-            <a:pPr marL="0" indent="0">
-              <a:buNone/>
-            </a:pPr>
-            <a:r>
-              <a:rPr lang="en-GB" dirty="0"/>
-              <a:t>	Repeat ad nauseum</a:t>
-            </a:r>
-          </a:p>
-          <a:p>
-            <a:r>
-              <a:rPr lang="en-GB" dirty="0"/>
-              <a:t>Pump Calibration</a:t>
-            </a:r>
-          </a:p>
-          <a:p>
-            <a:pPr marL="0" indent="0">
-              <a:buNone/>
-            </a:pPr>
-            <a:r>
-              <a:rPr lang="en-GB" dirty="0"/>
-              <a:t>	Set pump to fixed volume</a:t>
-            </a:r>
-          </a:p>
-          <a:p>
-            <a:pPr marL="0" indent="0">
-              <a:buNone/>
-            </a:pPr>
-            <a:r>
-              <a:rPr lang="en-GB" dirty="0"/>
-              <a:t>	Pump milli-Q water into beaker</a:t>
-            </a:r>
-          </a:p>
-          <a:p>
-            <a:pPr marL="0" indent="0">
-              <a:buNone/>
-            </a:pPr>
-            <a:r>
-              <a:rPr lang="en-GB" dirty="0"/>
-              <a:t>	Measure the weight of pumped water vs. 	supposed weight.</a:t>
-            </a:r>
-          </a:p>
-          <a:p>
-            <a:pPr marL="0" indent="0">
-              <a:buNone/>
-            </a:pPr>
-            <a:r>
-              <a:rPr lang="en-GB" dirty="0"/>
-              <a:t>	Calibrate accordingly</a:t>
-            </a:r>
-            <a:endParaRPr lang="en-DK" dirty="0"/>
           </a:p>
         </p:txBody>
       </p:sp>
@@ -11983,7 +10251,7 @@
             <a:spLocks noGrp="1"/>
           </p:cNvSpPr>
           <p:nvPr>
-            <p:ph type="ftr" sz="quarter" idx="10"/>
+            <p:ph type="ftr" sz="quarter" idx="11"/>
           </p:nvPr>
         </p:nvSpPr>
         <p:spPr/>
@@ -12012,7 +10280,7 @@
             <a:spLocks noGrp="1"/>
           </p:cNvSpPr>
           <p:nvPr>
-            <p:ph type="sldNum" sz="quarter" idx="11"/>
+            <p:ph type="sldNum" sz="quarter" idx="12"/>
           </p:nvPr>
         </p:nvSpPr>
         <p:spPr/>
@@ -12023,7 +10291,7 @@
             <a:fld id="{103EA872-A674-449B-A120-B97244F8E91D}" type="slidenum">
               <a:rPr lang="en-GB" smtClean="0"/>
               <a:pPr/>
-              <a:t>7</a:t>
+              <a:t>6</a:t>
             </a:fld>
             <a:endParaRPr lang="en-GB" dirty="0"/>
           </a:p>
@@ -12031,10 +10299,10 @@
       </p:sp>
       <p:sp>
         <p:nvSpPr>
-          <p:cNvPr id="7" name="Date Placeholder 6">
+          <p:cNvPr id="10" name="Content Placeholder 9">
             <a:extLst>
               <a:ext uri="{FF2B5EF4-FFF2-40B4-BE49-F238E27FC236}">
-                <a16:creationId xmlns:a16="http://schemas.microsoft.com/office/drawing/2014/main" id="{90624A2E-EB5A-4644-650F-A9A6AF623E2E}"/>
+                <a16:creationId xmlns:a16="http://schemas.microsoft.com/office/drawing/2014/main" id="{4A633DE7-53F1-9E5A-9DAC-648C04F6163E}"/>
               </a:ext>
             </a:extLst>
           </p:cNvPr>
@@ -12042,7 +10310,7 @@
             <a:spLocks noGrp="1"/>
           </p:cNvSpPr>
           <p:nvPr>
-            <p:ph type="dt" sz="half" idx="12"/>
+            <p:ph idx="1"/>
           </p:nvPr>
         </p:nvSpPr>
         <p:spPr/>
@@ -12051,257 +10319,82 @@
           <a:lstStyle/>
           <a:p>
             <a:r>
-              <a:rPr lang="da-DK"/>
-              <a:t>Date</a:t>
-            </a:r>
-            <a:endParaRPr lang="en-GB"/>
-          </a:p>
-        </p:txBody>
-      </p:sp>
-      <p:sp>
-        <p:nvSpPr>
-          <p:cNvPr id="9" name="TextBox 8">
-            <a:extLst>
-              <a:ext uri="{FF2B5EF4-FFF2-40B4-BE49-F238E27FC236}">
-                <a16:creationId xmlns:a16="http://schemas.microsoft.com/office/drawing/2014/main" id="{3D72A9AA-2CE1-8541-449F-438CD123E92D}"/>
-              </a:ext>
-            </a:extLst>
-          </p:cNvPr>
-          <p:cNvSpPr txBox="1"/>
-          <p:nvPr/>
-        </p:nvSpPr>
-        <p:spPr>
-          <a:xfrm>
-            <a:off x="5590800" y="1320596"/>
-            <a:ext cx="5766002" cy="2626360"/>
-          </a:xfrm>
-          <a:prstGeom prst="rect">
-            <a:avLst/>
-          </a:prstGeom>
-          <a:noFill/>
-        </p:spPr>
-        <p:txBody>
-          <a:bodyPr wrap="none" lIns="0" tIns="0" rIns="0" bIns="0" rtlCol="0">
-            <a:spAutoFit/>
-          </a:bodyPr>
-          <a:lstStyle/>
-          <a:p>
-            <a:pPr marL="285750" indent="-285750" algn="l">
-              <a:spcBef>
-                <a:spcPts val="432"/>
-              </a:spcBef>
-              <a:buFont typeface="Arial" panose="020B0604020202020204" pitchFamily="34" charset="0"/>
-              <a:buChar char="•"/>
-            </a:pPr>
-            <a:r>
-              <a:rPr lang="en-GB" dirty="0">
-                <a:latin typeface="+mn-lt"/>
-              </a:rPr>
-              <a:t>1M Fe2/Fe3 1M HCl Electrolyte</a:t>
-            </a:r>
-          </a:p>
-          <a:p>
-            <a:pPr algn="l">
-              <a:spcBef>
-                <a:spcPts val="432"/>
-              </a:spcBef>
-            </a:pPr>
-            <a:r>
-              <a:rPr lang="en-GB" dirty="0">
-                <a:latin typeface="+mn-lt"/>
-              </a:rPr>
-              <a:t>	Flow velocities based on </a:t>
-            </a:r>
-            <a:r>
-              <a:rPr lang="en-GB" dirty="0" err="1">
-                <a:latin typeface="+mn-lt"/>
-              </a:rPr>
-              <a:t>Baichen</a:t>
-            </a:r>
-            <a:r>
-              <a:rPr lang="en-GB" dirty="0">
-                <a:latin typeface="+mn-lt"/>
-              </a:rPr>
-              <a:t>:</a:t>
-            </a:r>
-          </a:p>
-          <a:p>
-            <a:pPr algn="l">
-              <a:spcBef>
-                <a:spcPts val="432"/>
-              </a:spcBef>
-            </a:pPr>
-            <a:r>
-              <a:rPr lang="en-GB" dirty="0">
-                <a:latin typeface="+mn-lt"/>
-              </a:rPr>
-              <a:t>	</a:t>
-            </a:r>
-            <a:r>
-              <a:rPr lang="en-GB" dirty="0" err="1">
-                <a:latin typeface="+mn-lt"/>
-              </a:rPr>
-              <a:t>v_e</a:t>
-            </a:r>
-            <a:r>
-              <a:rPr lang="en-GB" dirty="0">
-                <a:latin typeface="+mn-lt"/>
-              </a:rPr>
-              <a:t> = 0.5, 1, 2, (5) cm/s</a:t>
-            </a:r>
-          </a:p>
-          <a:p>
-            <a:pPr algn="l">
-              <a:spcBef>
-                <a:spcPts val="432"/>
-              </a:spcBef>
-            </a:pPr>
-            <a:r>
-              <a:rPr lang="en-GB" dirty="0">
-                <a:latin typeface="+mn-lt"/>
-              </a:rPr>
-              <a:t>	He calculated volumetric flow rates as:</a:t>
-            </a:r>
-          </a:p>
-          <a:p>
-            <a:pPr algn="l">
-              <a:spcBef>
-                <a:spcPts val="432"/>
-              </a:spcBef>
-            </a:pPr>
-            <a:r>
-              <a:rPr lang="en-GB" dirty="0">
-                <a:latin typeface="+mn-lt"/>
-              </a:rPr>
-              <a:t>	Q = </a:t>
-            </a:r>
-            <a:r>
-              <a:rPr lang="en-GB" dirty="0" err="1">
-                <a:latin typeface="+mn-lt"/>
-              </a:rPr>
-              <a:t>v_e</a:t>
-            </a:r>
-            <a:r>
-              <a:rPr lang="en-GB" dirty="0">
-                <a:latin typeface="+mn-lt"/>
-              </a:rPr>
-              <a:t> * </a:t>
-            </a:r>
-            <a:r>
-              <a:rPr lang="en-GB" dirty="0" err="1">
-                <a:latin typeface="+mn-lt"/>
-              </a:rPr>
-              <a:t>A_cross</a:t>
-            </a:r>
-            <a:r>
-              <a:rPr lang="en-GB" dirty="0">
-                <a:latin typeface="+mn-lt"/>
-              </a:rPr>
-              <a:t> (no porosity correction)</a:t>
-            </a:r>
-          </a:p>
-          <a:p>
-            <a:pPr algn="l">
-              <a:spcBef>
-                <a:spcPts val="432"/>
-              </a:spcBef>
-            </a:pPr>
-            <a:r>
-              <a:rPr lang="en-GB" dirty="0">
-                <a:latin typeface="+mn-lt"/>
-              </a:rPr>
-              <a:t>	</a:t>
-            </a:r>
-            <a:r>
-              <a:rPr lang="en-GB" dirty="0" err="1">
-                <a:latin typeface="+mn-lt"/>
-              </a:rPr>
-              <a:t>A_cross</a:t>
-            </a:r>
-            <a:r>
-              <a:rPr lang="en-GB" dirty="0">
-                <a:latin typeface="+mn-lt"/>
-              </a:rPr>
-              <a:t> = </a:t>
-            </a:r>
-            <a:r>
-              <a:rPr lang="en-GB" dirty="0" err="1">
-                <a:latin typeface="+mn-lt"/>
-              </a:rPr>
-              <a:t>h_e</a:t>
-            </a:r>
-            <a:r>
-              <a:rPr lang="en-GB" dirty="0">
-                <a:latin typeface="+mn-lt"/>
-              </a:rPr>
-              <a:t> * </a:t>
-            </a:r>
-            <a:r>
-              <a:rPr lang="en-GB" dirty="0" err="1">
-                <a:latin typeface="+mn-lt"/>
-              </a:rPr>
-              <a:t>l_e</a:t>
-            </a:r>
-            <a:r>
-              <a:rPr lang="en-GB" dirty="0">
-                <a:latin typeface="+mn-lt"/>
-              </a:rPr>
-              <a:t> * (1 - compression ratio)</a:t>
-            </a:r>
-          </a:p>
-          <a:p>
-            <a:pPr algn="l">
-              <a:spcBef>
-                <a:spcPts val="432"/>
-              </a:spcBef>
-            </a:pPr>
-            <a:r>
-              <a:rPr lang="en-GB" dirty="0">
-                <a:latin typeface="+mn-lt"/>
-              </a:rPr>
-              <a:t>	Using </a:t>
-            </a:r>
-            <a:r>
-              <a:rPr lang="en-GB" dirty="0" err="1">
-                <a:latin typeface="+mn-lt"/>
-              </a:rPr>
-              <a:t>Baichens</a:t>
-            </a:r>
-            <a:r>
-              <a:rPr lang="en-GB" dirty="0">
-                <a:latin typeface="+mn-lt"/>
-              </a:rPr>
-              <a:t> presented reasonable compressions:</a:t>
-            </a:r>
-          </a:p>
-          <a:p>
-            <a:pPr algn="l">
-              <a:spcBef>
-                <a:spcPts val="432"/>
-              </a:spcBef>
-            </a:pPr>
-            <a:r>
-              <a:rPr lang="en-GB" dirty="0">
-                <a:latin typeface="+mn-lt"/>
-              </a:rPr>
-              <a:t>	Felt: 30%, Cloth: 20%, Paper: 20%</a:t>
-            </a:r>
-          </a:p>
-          <a:p>
-            <a:pPr algn="l">
-              <a:spcBef>
-                <a:spcPts val="432"/>
-              </a:spcBef>
-            </a:pPr>
-            <a:r>
-              <a:rPr lang="en-GB" dirty="0">
-                <a:latin typeface="+mn-lt"/>
-              </a:rPr>
-              <a:t>	Leads to the following table of flow rates in mL/min:</a:t>
-            </a:r>
-            <a:endParaRPr lang="en-DK" dirty="0" err="1">
-              <a:latin typeface="+mn-lt"/>
-            </a:endParaRPr>
+              <a:rPr lang="en-US" dirty="0"/>
+              <a:t>Used pumps built-in method.</a:t>
+            </a:r>
+          </a:p>
+          <a:p>
+            <a:pPr lvl="1"/>
+            <a:r>
+              <a:rPr lang="en-US" dirty="0"/>
+              <a:t>Dispenses specified fixed volume.</a:t>
+            </a:r>
+          </a:p>
+          <a:p>
+            <a:pPr lvl="1"/>
+            <a:r>
+              <a:rPr lang="en-US" dirty="0"/>
+              <a:t>Measure weight of dispensed water</a:t>
+            </a:r>
+          </a:p>
+          <a:p>
+            <a:pPr lvl="1"/>
+            <a:r>
+              <a:rPr lang="en-US" dirty="0"/>
+              <a:t>Input actual volume of water dispensed</a:t>
+            </a:r>
+          </a:p>
+          <a:p>
+            <a:pPr lvl="2"/>
+            <a:r>
+              <a:rPr lang="en-US" dirty="0"/>
+              <a:t>Repeat until satisfactory</a:t>
+            </a:r>
+          </a:p>
+          <a:p>
+            <a:r>
+              <a:rPr lang="en-US" dirty="0"/>
+              <a:t>Used both tubes simultaneously. Asked to dispense 20mL each into separate beakers.</a:t>
+            </a:r>
+          </a:p>
+          <a:p>
+            <a:pPr lvl="1"/>
+            <a:r>
+              <a:rPr lang="en-US" dirty="0"/>
+              <a:t>First run yielded 18mL +- 0.1mL (by weight) from both.</a:t>
+            </a:r>
+          </a:p>
+          <a:p>
+            <a:pPr lvl="1"/>
+            <a:r>
+              <a:rPr lang="en-US" dirty="0"/>
+              <a:t>Gave adjustment to pump and repeated</a:t>
+            </a:r>
+          </a:p>
+          <a:p>
+            <a:pPr lvl="1"/>
+            <a:r>
+              <a:rPr lang="en-US" dirty="0"/>
+              <a:t>20mL +- 0.1mL. Repeated again with same result</a:t>
+            </a:r>
+          </a:p>
+          <a:p>
+            <a:pPr lvl="1"/>
+            <a:r>
+              <a:rPr lang="en-US" dirty="0"/>
+              <a:t>Asked for 40mL from both. Got 40mL +- 0.1mL.</a:t>
+            </a:r>
+          </a:p>
+          <a:p>
+            <a:pPr lvl="1"/>
+            <a:r>
+              <a:rPr lang="en-US" dirty="0"/>
+              <a:t>Satisfactory</a:t>
+            </a:r>
+          </a:p>
+          <a:p>
+            <a:pPr lvl="1"/>
+            <a:endParaRPr lang="en-US" dirty="0"/>
           </a:p>
         </p:txBody>
       </p:sp>
@@ -12309,1411 +10402,6 @@
     <p:extLst>
       <p:ext uri="{BB962C8B-B14F-4D97-AF65-F5344CB8AC3E}">
         <p14:creationId xmlns:p14="http://schemas.microsoft.com/office/powerpoint/2010/main" val="1573500855"/>
-      </p:ext>
-    </p:extLst>
-  </p:cSld>
-  <p:clrMapOvr>
-    <a:masterClrMapping/>
-  </p:clrMapOvr>
-</p:sld>
-</file>
-
-<file path=ppt/slides/slide8.xml><?xml version="1.0" encoding="utf-8"?>
-<p:sld xmlns:a="http://schemas.openxmlformats.org/drawingml/2006/main" xmlns:r="http://schemas.openxmlformats.org/officeDocument/2006/relationships" xmlns:p="http://schemas.openxmlformats.org/presentationml/2006/main">
-  <p:cSld>
-    <p:spTree>
-      <p:nvGrpSpPr>
-        <p:cNvPr id="1" name=""/>
-        <p:cNvGrpSpPr/>
-        <p:nvPr/>
-      </p:nvGrpSpPr>
-      <p:grpSpPr>
-        <a:xfrm>
-          <a:off x="0" y="0"/>
-          <a:ext cx="0" cy="0"/>
-          <a:chOff x="0" y="0"/>
-          <a:chExt cx="0" cy="0"/>
-        </a:xfrm>
-      </p:grpSpPr>
-      <p:sp>
-        <p:nvSpPr>
-          <p:cNvPr id="2" name="Title 1">
-            <a:extLst>
-              <a:ext uri="{FF2B5EF4-FFF2-40B4-BE49-F238E27FC236}">
-                <a16:creationId xmlns:a16="http://schemas.microsoft.com/office/drawing/2014/main" id="{E577CD67-EFA7-0888-AC30-40E3E000EAFE}"/>
-              </a:ext>
-            </a:extLst>
-          </p:cNvPr>
-          <p:cNvSpPr>
-            <a:spLocks noGrp="1"/>
-          </p:cNvSpPr>
-          <p:nvPr>
-            <p:ph type="title"/>
-          </p:nvPr>
-        </p:nvSpPr>
-        <p:spPr/>
-        <p:txBody>
-          <a:bodyPr/>
-          <a:lstStyle/>
-          <a:p>
-            <a:r>
-              <a:rPr lang="en-US" dirty="0"/>
-              <a:t>Experiments</a:t>
-            </a:r>
-            <a:endParaRPr lang="en-DK" dirty="0"/>
-          </a:p>
-        </p:txBody>
-      </p:sp>
-      <p:graphicFrame>
-        <p:nvGraphicFramePr>
-          <p:cNvPr id="8" name="Content Placeholder 7">
-            <a:extLst>
-              <a:ext uri="{FF2B5EF4-FFF2-40B4-BE49-F238E27FC236}">
-                <a16:creationId xmlns:a16="http://schemas.microsoft.com/office/drawing/2014/main" id="{B653FA92-79AF-8180-DDF4-0A2C0D274B23}"/>
-              </a:ext>
-            </a:extLst>
-          </p:cNvPr>
-          <p:cNvGraphicFramePr>
-            <a:graphicFrameLocks noGrp="1"/>
-          </p:cNvGraphicFramePr>
-          <p:nvPr>
-            <p:ph sz="half" idx="1"/>
-            <p:extLst>
-              <p:ext uri="{D42A27DB-BD31-4B8C-83A1-F6EECF244321}">
-                <p14:modId xmlns:p14="http://schemas.microsoft.com/office/powerpoint/2010/main" val="2192904137"/>
-              </p:ext>
-            </p:extLst>
-          </p:nvPr>
-        </p:nvGraphicFramePr>
-        <p:xfrm>
-          <a:off x="804600" y="1706399"/>
-          <a:ext cx="5497200" cy="2103120"/>
-        </p:xfrm>
-        <a:graphic>
-          <a:graphicData uri="http://schemas.openxmlformats.org/drawingml/2006/table">
-            <a:tbl>
-              <a:tblPr firstRow="1" bandRow="1">
-                <a:tableStyleId>{5C22544A-7EE6-4342-B048-85BDC9FD1C3A}</a:tableStyleId>
-              </a:tblPr>
-              <a:tblGrid>
-                <a:gridCol w="1832400">
-                  <a:extLst>
-                    <a:ext uri="{9D8B030D-6E8A-4147-A177-3AD203B41FA5}">
-                      <a16:colId xmlns:a16="http://schemas.microsoft.com/office/drawing/2014/main" val="3282694997"/>
-                    </a:ext>
-                  </a:extLst>
-                </a:gridCol>
-                <a:gridCol w="1832400">
-                  <a:extLst>
-                    <a:ext uri="{9D8B030D-6E8A-4147-A177-3AD203B41FA5}">
-                      <a16:colId xmlns:a16="http://schemas.microsoft.com/office/drawing/2014/main" val="620375357"/>
-                    </a:ext>
-                  </a:extLst>
-                </a:gridCol>
-                <a:gridCol w="1832400">
-                  <a:extLst>
-                    <a:ext uri="{9D8B030D-6E8A-4147-A177-3AD203B41FA5}">
-                      <a16:colId xmlns:a16="http://schemas.microsoft.com/office/drawing/2014/main" val="4021747346"/>
-                    </a:ext>
-                  </a:extLst>
-                </a:gridCol>
-              </a:tblGrid>
-              <a:tr h="370840">
-                <a:tc>
-                  <a:txBody>
-                    <a:bodyPr/>
-                    <a:lstStyle/>
-                    <a:p>
-                      <a:r>
-                        <a:rPr lang="en-US" dirty="0"/>
-                        <a:t>Electrodes</a:t>
-                      </a:r>
-                    </a:p>
-                  </a:txBody>
-                  <a:tcPr/>
-                </a:tc>
-                <a:tc>
-                  <a:txBody>
-                    <a:bodyPr/>
-                    <a:lstStyle/>
-                    <a:p>
-                      <a:r>
-                        <a:rPr lang="en-US" dirty="0"/>
-                        <a:t>Concentrations</a:t>
-                      </a:r>
-                      <a:endParaRPr lang="en-DK" dirty="0"/>
-                    </a:p>
-                  </a:txBody>
-                  <a:tcPr/>
-                </a:tc>
-                <a:tc>
-                  <a:txBody>
-                    <a:bodyPr/>
-                    <a:lstStyle/>
-                    <a:p>
-                      <a:r>
-                        <a:rPr lang="en-US" dirty="0"/>
-                        <a:t>Flow Rates</a:t>
-                      </a:r>
-                    </a:p>
-                    <a:p>
-                      <a:endParaRPr lang="en-DK" dirty="0"/>
-                    </a:p>
-                  </a:txBody>
-                  <a:tcPr/>
-                </a:tc>
-                <a:extLst>
-                  <a:ext uri="{0D108BD9-81ED-4DB2-BD59-A6C34878D82A}">
-                    <a16:rowId xmlns:a16="http://schemas.microsoft.com/office/drawing/2014/main" val="1088243768"/>
-                  </a:ext>
-                </a:extLst>
-              </a:tr>
-              <a:tr h="370840">
-                <a:tc>
-                  <a:txBody>
-                    <a:bodyPr/>
-                    <a:lstStyle/>
-                    <a:p>
-                      <a:pPr marL="285750" indent="-285750">
-                        <a:buFont typeface="Arial" panose="020B0604020202020204" pitchFamily="34" charset="0"/>
-                        <a:buChar char="•"/>
-                      </a:pPr>
-                      <a:r>
-                        <a:rPr lang="en-US" dirty="0"/>
-                        <a:t>Felt</a:t>
-                      </a:r>
-                    </a:p>
-                    <a:p>
-                      <a:pPr marL="285750" indent="-285750">
-                        <a:buFont typeface="Arial" panose="020B0604020202020204" pitchFamily="34" charset="0"/>
-                        <a:buChar char="•"/>
-                      </a:pPr>
-                      <a:r>
-                        <a:rPr lang="en-US" dirty="0"/>
-                        <a:t>Cloth</a:t>
-                      </a:r>
-                    </a:p>
-                    <a:p>
-                      <a:pPr marL="285750" indent="-285750">
-                        <a:buFont typeface="Arial" panose="020B0604020202020204" pitchFamily="34" charset="0"/>
-                        <a:buChar char="•"/>
-                      </a:pPr>
-                      <a:r>
-                        <a:rPr lang="en-US" dirty="0"/>
-                        <a:t>Paper</a:t>
-                      </a:r>
-                      <a:endParaRPr lang="en-DK" dirty="0"/>
-                    </a:p>
-                  </a:txBody>
-                  <a:tcPr/>
-                </a:tc>
-                <a:tc>
-                  <a:txBody>
-                    <a:bodyPr/>
-                    <a:lstStyle/>
-                    <a:p>
-                      <a:pPr marL="285750" indent="-285750">
-                        <a:buFont typeface="Arial" panose="020B0604020202020204" pitchFamily="34" charset="0"/>
-                        <a:buChar char="•"/>
-                      </a:pPr>
-                      <a:r>
-                        <a:rPr lang="en-US" dirty="0"/>
-                        <a:t>100mM</a:t>
-                      </a:r>
-                    </a:p>
-                    <a:p>
-                      <a:pPr marL="285750" indent="-285750">
-                        <a:buFont typeface="Arial" panose="020B0604020202020204" pitchFamily="34" charset="0"/>
-                        <a:buChar char="•"/>
-                      </a:pPr>
-                      <a:r>
-                        <a:rPr lang="en-US" dirty="0"/>
-                        <a:t>0.5M</a:t>
-                      </a:r>
-                    </a:p>
-                    <a:p>
-                      <a:pPr marL="285750" indent="-285750">
-                        <a:buFont typeface="Arial" panose="020B0604020202020204" pitchFamily="34" charset="0"/>
-                        <a:buChar char="•"/>
-                      </a:pPr>
-                      <a:r>
-                        <a:rPr lang="en-US" dirty="0"/>
-                        <a:t>1M</a:t>
-                      </a:r>
-                      <a:endParaRPr lang="en-DK" dirty="0"/>
-                    </a:p>
-                  </a:txBody>
-                  <a:tcPr/>
-                </a:tc>
-                <a:tc>
-                  <a:txBody>
-                    <a:bodyPr/>
-                    <a:lstStyle/>
-                    <a:p>
-                      <a:pPr marL="285750" indent="-285750">
-                        <a:buFont typeface="Arial" panose="020B0604020202020204" pitchFamily="34" charset="0"/>
-                        <a:buChar char="•"/>
-                      </a:pPr>
-                      <a:r>
-                        <a:rPr lang="en-US" dirty="0"/>
-                        <a:t>5mL/min</a:t>
-                      </a:r>
-                    </a:p>
-                    <a:p>
-                      <a:pPr marL="285750" indent="-285750">
-                        <a:buFont typeface="Arial" panose="020B0604020202020204" pitchFamily="34" charset="0"/>
-                        <a:buChar char="•"/>
-                      </a:pPr>
-                      <a:r>
-                        <a:rPr lang="en-US" dirty="0"/>
-                        <a:t>10mL/min</a:t>
-                      </a:r>
-                    </a:p>
-                    <a:p>
-                      <a:pPr marL="285750" indent="-285750">
-                        <a:buFont typeface="Arial" panose="020B0604020202020204" pitchFamily="34" charset="0"/>
-                        <a:buChar char="•"/>
-                      </a:pPr>
-                      <a:r>
-                        <a:rPr lang="en-US" dirty="0"/>
-                        <a:t>20mL/min</a:t>
-                      </a:r>
-                    </a:p>
-                    <a:p>
-                      <a:pPr marL="285750" indent="-285750">
-                        <a:buFont typeface="Arial" panose="020B0604020202020204" pitchFamily="34" charset="0"/>
-                        <a:buChar char="•"/>
-                      </a:pPr>
-                      <a:r>
-                        <a:rPr lang="en-US" dirty="0"/>
-                        <a:t>50mL/min</a:t>
-                      </a:r>
-                    </a:p>
-                    <a:p>
-                      <a:pPr marL="285750" indent="-285750">
-                        <a:buFont typeface="Arial" panose="020B0604020202020204" pitchFamily="34" charset="0"/>
-                        <a:buChar char="•"/>
-                      </a:pPr>
-                      <a:r>
-                        <a:rPr lang="en-US" dirty="0"/>
-                        <a:t>100mL/min?</a:t>
-                      </a:r>
-                      <a:endParaRPr lang="en-DK" dirty="0"/>
-                    </a:p>
-                  </a:txBody>
-                  <a:tcPr/>
-                </a:tc>
-                <a:extLst>
-                  <a:ext uri="{0D108BD9-81ED-4DB2-BD59-A6C34878D82A}">
-                    <a16:rowId xmlns:a16="http://schemas.microsoft.com/office/drawing/2014/main" val="15472639"/>
-                  </a:ext>
-                </a:extLst>
-              </a:tr>
-            </a:tbl>
-          </a:graphicData>
-        </a:graphic>
-      </p:graphicFrame>
-      <p:sp>
-        <p:nvSpPr>
-          <p:cNvPr id="4" name="Content Placeholder 3">
-            <a:extLst>
-              <a:ext uri="{FF2B5EF4-FFF2-40B4-BE49-F238E27FC236}">
-                <a16:creationId xmlns:a16="http://schemas.microsoft.com/office/drawing/2014/main" id="{971AD6DA-58D8-524F-011A-13EA3E5E3F76}"/>
-              </a:ext>
-            </a:extLst>
-          </p:cNvPr>
-          <p:cNvSpPr>
-            <a:spLocks noGrp="1"/>
-          </p:cNvSpPr>
-          <p:nvPr>
-            <p:ph sz="half" idx="2"/>
-          </p:nvPr>
-        </p:nvSpPr>
-        <p:spPr/>
-        <p:txBody>
-          <a:bodyPr/>
-          <a:lstStyle/>
-          <a:p>
-            <a:pPr lvl="1"/>
-            <a:r>
-              <a:rPr lang="en-US" dirty="0"/>
-              <a:t>Initial idea for flow rates was to follow </a:t>
-            </a:r>
-            <a:r>
-              <a:rPr lang="en-US" dirty="0" err="1"/>
-              <a:t>Baichens</a:t>
-            </a:r>
-            <a:r>
-              <a:rPr lang="en-US" dirty="0"/>
-              <a:t> approach. Listed as Flow Velocities:</a:t>
-            </a:r>
-          </a:p>
-          <a:p>
-            <a:pPr lvl="2"/>
-            <a:r>
-              <a:rPr lang="en-US" dirty="0"/>
-              <a:t>0.5 cm/s</a:t>
-            </a:r>
-          </a:p>
-          <a:p>
-            <a:pPr lvl="2"/>
-            <a:r>
-              <a:rPr lang="en-US" dirty="0"/>
-              <a:t>1 cm/s</a:t>
-            </a:r>
-          </a:p>
-          <a:p>
-            <a:pPr lvl="2"/>
-            <a:r>
-              <a:rPr lang="en-US" dirty="0"/>
-              <a:t>2 cm/s</a:t>
-            </a:r>
-          </a:p>
-          <a:p>
-            <a:pPr lvl="2"/>
-            <a:r>
-              <a:rPr lang="en-US" dirty="0"/>
-              <a:t>5 cm/s</a:t>
-            </a:r>
-          </a:p>
-          <a:p>
-            <a:pPr lvl="1"/>
-            <a:r>
-              <a:rPr lang="en-US" dirty="0"/>
-              <a:t>Now either </a:t>
-            </a:r>
-            <a:r>
-              <a:rPr lang="en-US" dirty="0" err="1"/>
-              <a:t>im</a:t>
-            </a:r>
-            <a:r>
-              <a:rPr lang="en-US" dirty="0"/>
-              <a:t> very bad at Phys 1, </a:t>
-            </a:r>
-            <a:r>
-              <a:rPr lang="en-US" dirty="0" err="1"/>
-              <a:t>Baichen</a:t>
-            </a:r>
-            <a:r>
-              <a:rPr lang="en-US" dirty="0"/>
-              <a:t> was using flow rates much higher than the pump </a:t>
-            </a:r>
-            <a:r>
-              <a:rPr lang="en-US" dirty="0" err="1"/>
-              <a:t>im</a:t>
-            </a:r>
-            <a:r>
-              <a:rPr lang="en-US" dirty="0"/>
-              <a:t> using is capable of, or he was off by an </a:t>
-            </a:r>
-            <a:r>
-              <a:rPr lang="en-US" dirty="0" err="1"/>
-              <a:t>OoM</a:t>
-            </a:r>
-            <a:r>
-              <a:rPr lang="en-US" dirty="0"/>
-              <a:t>.</a:t>
-            </a:r>
-          </a:p>
-          <a:p>
-            <a:pPr lvl="1"/>
-            <a:r>
-              <a:rPr lang="en-US" dirty="0"/>
-              <a:t>Chosen rates based on [1] and [2]</a:t>
-            </a:r>
-          </a:p>
-          <a:p>
-            <a:pPr lvl="1"/>
-            <a:endParaRPr lang="en-US" dirty="0"/>
-          </a:p>
-        </p:txBody>
-      </p:sp>
-      <p:sp>
-        <p:nvSpPr>
-          <p:cNvPr id="5" name="Footer Placeholder 4">
-            <a:extLst>
-              <a:ext uri="{FF2B5EF4-FFF2-40B4-BE49-F238E27FC236}">
-                <a16:creationId xmlns:a16="http://schemas.microsoft.com/office/drawing/2014/main" id="{2371E34A-B4F3-37CE-1E62-04D2FD36A38B}"/>
-              </a:ext>
-            </a:extLst>
-          </p:cNvPr>
-          <p:cNvSpPr>
-            <a:spLocks noGrp="1"/>
-          </p:cNvSpPr>
-          <p:nvPr>
-            <p:ph type="ftr" sz="quarter" idx="10"/>
-          </p:nvPr>
-        </p:nvSpPr>
-        <p:spPr/>
-        <p:txBody>
-          <a:bodyPr/>
-          <a:lstStyle/>
-          <a:p>
-            <a:r>
-              <a:rPr lang="en-GB"/>
-              <a:t>Title</a:t>
-            </a:r>
-            <a:endParaRPr lang="en-GB" dirty="0"/>
-          </a:p>
-        </p:txBody>
-      </p:sp>
-      <p:sp>
-        <p:nvSpPr>
-          <p:cNvPr id="6" name="Slide Number Placeholder 5">
-            <a:extLst>
-              <a:ext uri="{FF2B5EF4-FFF2-40B4-BE49-F238E27FC236}">
-                <a16:creationId xmlns:a16="http://schemas.microsoft.com/office/drawing/2014/main" id="{4CC4D8F3-B124-E436-8CC3-6F43114DF148}"/>
-              </a:ext>
-            </a:extLst>
-          </p:cNvPr>
-          <p:cNvSpPr>
-            <a:spLocks noGrp="1"/>
-          </p:cNvSpPr>
-          <p:nvPr>
-            <p:ph type="sldNum" sz="quarter" idx="11"/>
-          </p:nvPr>
-        </p:nvSpPr>
-        <p:spPr/>
-        <p:txBody>
-          <a:bodyPr/>
-          <a:lstStyle/>
-          <a:p>
-            <a:fld id="{103EA872-A674-449B-A120-B97244F8E91D}" type="slidenum">
-              <a:rPr lang="en-GB" smtClean="0"/>
-              <a:pPr/>
-              <a:t>8</a:t>
-            </a:fld>
-            <a:endParaRPr lang="en-GB" dirty="0"/>
-          </a:p>
-        </p:txBody>
-      </p:sp>
-      <p:sp>
-        <p:nvSpPr>
-          <p:cNvPr id="7" name="Date Placeholder 6">
-            <a:extLst>
-              <a:ext uri="{FF2B5EF4-FFF2-40B4-BE49-F238E27FC236}">
-                <a16:creationId xmlns:a16="http://schemas.microsoft.com/office/drawing/2014/main" id="{83DDDA62-E461-DDCE-DE15-68FE525C5732}"/>
-              </a:ext>
-            </a:extLst>
-          </p:cNvPr>
-          <p:cNvSpPr>
-            <a:spLocks noGrp="1"/>
-          </p:cNvSpPr>
-          <p:nvPr>
-            <p:ph type="dt" sz="half" idx="12"/>
-          </p:nvPr>
-        </p:nvSpPr>
-        <p:spPr/>
-        <p:txBody>
-          <a:bodyPr/>
-          <a:lstStyle/>
-          <a:p>
-            <a:r>
-              <a:rPr lang="da-DK"/>
-              <a:t>Date</a:t>
-            </a:r>
-            <a:endParaRPr lang="en-GB"/>
-          </a:p>
-        </p:txBody>
-      </p:sp>
-      <p:pic>
-        <p:nvPicPr>
-          <p:cNvPr id="13" name="Picture 12" descr="A black background with a black square&#10;&#10;Description automatically generated with medium confidence">
-            <a:extLst>
-              <a:ext uri="{FF2B5EF4-FFF2-40B4-BE49-F238E27FC236}">
-                <a16:creationId xmlns:a16="http://schemas.microsoft.com/office/drawing/2014/main" id="{64B4DB06-9366-662B-4BF7-7D86B8DE1C67}"/>
-              </a:ext>
-            </a:extLst>
-          </p:cNvPr>
-          <p:cNvPicPr>
-            <a:picLocks noChangeAspect="1"/>
-          </p:cNvPicPr>
-          <p:nvPr/>
-        </p:nvPicPr>
-        <p:blipFill>
-          <a:blip r:embed="rId2">
-            <a:extLst>
-              <a:ext uri="{28A0092B-C50C-407E-A947-70E740481C1C}">
-                <a14:useLocalDpi xmlns:a14="http://schemas.microsoft.com/office/drawing/2010/main" val="0"/>
-              </a:ext>
-            </a:extLst>
-          </a:blip>
-          <a:stretch>
-            <a:fillRect/>
-          </a:stretch>
-        </p:blipFill>
-        <p:spPr>
-          <a:xfrm>
-            <a:off x="934152" y="4036357"/>
-            <a:ext cx="5238095" cy="876190"/>
-          </a:xfrm>
-          <a:prstGeom prst="rect">
-            <a:avLst/>
-          </a:prstGeom>
-        </p:spPr>
-      </p:pic>
-      <p:sp>
-        <p:nvSpPr>
-          <p:cNvPr id="15" name="TextBox 14">
-            <a:extLst>
-              <a:ext uri="{FF2B5EF4-FFF2-40B4-BE49-F238E27FC236}">
-                <a16:creationId xmlns:a16="http://schemas.microsoft.com/office/drawing/2014/main" id="{14F9C402-6D30-E20D-19C8-F71D8CC08B90}"/>
-              </a:ext>
-            </a:extLst>
-          </p:cNvPr>
-          <p:cNvSpPr txBox="1"/>
-          <p:nvPr/>
-        </p:nvSpPr>
-        <p:spPr>
-          <a:xfrm>
-            <a:off x="118542" y="5354655"/>
-            <a:ext cx="6096000" cy="1077218"/>
-          </a:xfrm>
-          <a:prstGeom prst="rect">
-            <a:avLst/>
-          </a:prstGeom>
-          <a:noFill/>
-        </p:spPr>
-        <p:txBody>
-          <a:bodyPr wrap="square">
-            <a:spAutoFit/>
-          </a:bodyPr>
-          <a:lstStyle/>
-          <a:p>
-            <a:r>
-              <a:rPr lang="en-GB" dirty="0"/>
-              <a:t>[1] Sun, J., Guo, Z., Pan, L., Fan, X., Wei, L., &amp; Zhao, T. (2023). Redox flow batteries and their stack-scale flow fields. In </a:t>
-            </a:r>
-            <a:r>
-              <a:rPr lang="en-GB" i="1" dirty="0"/>
-              <a:t>Carbon Neutrality</a:t>
-            </a:r>
-            <a:r>
-              <a:rPr lang="en-GB" dirty="0"/>
-              <a:t> (Vol. 2, Issue 1). Springer. https://doi.org/10.1007/s43979-023-00072-6</a:t>
-            </a:r>
-          </a:p>
-        </p:txBody>
-      </p:sp>
-      <p:sp>
-        <p:nvSpPr>
-          <p:cNvPr id="17" name="TextBox 16">
-            <a:extLst>
-              <a:ext uri="{FF2B5EF4-FFF2-40B4-BE49-F238E27FC236}">
-                <a16:creationId xmlns:a16="http://schemas.microsoft.com/office/drawing/2014/main" id="{57F5F621-B924-7EB4-63CA-E20C5276CD15}"/>
-              </a:ext>
-            </a:extLst>
-          </p:cNvPr>
-          <p:cNvSpPr txBox="1"/>
-          <p:nvPr/>
-        </p:nvSpPr>
-        <p:spPr>
-          <a:xfrm>
-            <a:off x="6094413" y="5354655"/>
-            <a:ext cx="6096000" cy="1323439"/>
-          </a:xfrm>
-          <a:prstGeom prst="rect">
-            <a:avLst/>
-          </a:prstGeom>
-          <a:noFill/>
-        </p:spPr>
-        <p:txBody>
-          <a:bodyPr wrap="square">
-            <a:spAutoFit/>
-          </a:bodyPr>
-          <a:lstStyle/>
-          <a:p>
-            <a:r>
-              <a:rPr lang="en-GB" dirty="0"/>
-              <a:t>[2] Milshtein, J. D., </a:t>
-            </a:r>
-            <a:r>
-              <a:rPr lang="en-GB" dirty="0" err="1"/>
-              <a:t>Tenny</a:t>
-            </a:r>
-            <a:r>
-              <a:rPr lang="en-GB" dirty="0"/>
-              <a:t>, K. M., Barton, J. L., Drake, J., Darling, R. M., &amp; </a:t>
-            </a:r>
-            <a:r>
-              <a:rPr lang="en-GB" dirty="0" err="1"/>
-              <a:t>Brushett</a:t>
-            </a:r>
-            <a:r>
-              <a:rPr lang="en-GB" dirty="0"/>
-              <a:t>, F. R. (2017). Quantifying Mass Transfer Rates in Redox Flow Batteries. </a:t>
-            </a:r>
-            <a:r>
-              <a:rPr lang="en-GB" i="1" dirty="0"/>
-              <a:t>Journal of The Electrochemical Society</a:t>
-            </a:r>
-            <a:r>
-              <a:rPr lang="en-GB" dirty="0"/>
-              <a:t>, </a:t>
-            </a:r>
-            <a:r>
-              <a:rPr lang="en-GB" i="1" dirty="0"/>
-              <a:t>164</a:t>
-            </a:r>
-            <a:r>
-              <a:rPr lang="en-GB" dirty="0"/>
-              <a:t>(11), E3265–E3275. https://doi.org/10.1149/2.0201711jes</a:t>
-            </a:r>
-          </a:p>
-        </p:txBody>
-      </p:sp>
-    </p:spTree>
-    <p:extLst>
-      <p:ext uri="{BB962C8B-B14F-4D97-AF65-F5344CB8AC3E}">
-        <p14:creationId xmlns:p14="http://schemas.microsoft.com/office/powerpoint/2010/main" val="1379870908"/>
-      </p:ext>
-    </p:extLst>
-  </p:cSld>
-  <p:clrMapOvr>
-    <a:masterClrMapping/>
-  </p:clrMapOvr>
-</p:sld>
-</file>
-
-<file path=ppt/slides/slide9.xml><?xml version="1.0" encoding="utf-8"?>
-<p:sld xmlns:a="http://schemas.openxmlformats.org/drawingml/2006/main" xmlns:r="http://schemas.openxmlformats.org/officeDocument/2006/relationships" xmlns:p="http://schemas.openxmlformats.org/presentationml/2006/main">
-  <p:cSld>
-    <p:spTree>
-      <p:nvGrpSpPr>
-        <p:cNvPr id="1" name=""/>
-        <p:cNvGrpSpPr/>
-        <p:nvPr/>
-      </p:nvGrpSpPr>
-      <p:grpSpPr>
-        <a:xfrm>
-          <a:off x="0" y="0"/>
-          <a:ext cx="0" cy="0"/>
-          <a:chOff x="0" y="0"/>
-          <a:chExt cx="0" cy="0"/>
-        </a:xfrm>
-      </p:grpSpPr>
-      <p:sp>
-        <p:nvSpPr>
-          <p:cNvPr id="2" name="Title 1">
-            <a:extLst>
-              <a:ext uri="{FF2B5EF4-FFF2-40B4-BE49-F238E27FC236}">
-                <a16:creationId xmlns:a16="http://schemas.microsoft.com/office/drawing/2014/main" id="{294DA4FF-72B4-67D2-DF7E-24ADAF43036D}"/>
-              </a:ext>
-            </a:extLst>
-          </p:cNvPr>
-          <p:cNvSpPr>
-            <a:spLocks noGrp="1"/>
-          </p:cNvSpPr>
-          <p:nvPr>
-            <p:ph type="title"/>
-          </p:nvPr>
-        </p:nvSpPr>
-        <p:spPr>
-          <a:xfrm>
-            <a:off x="804600" y="319323"/>
-            <a:ext cx="9312374" cy="562131"/>
-          </a:xfrm>
-        </p:spPr>
-        <p:txBody>
-          <a:bodyPr/>
-          <a:lstStyle/>
-          <a:p>
-            <a:r>
-              <a:rPr lang="en-US" dirty="0"/>
-              <a:t>So far</a:t>
-            </a:r>
-            <a:endParaRPr lang="en-DK" dirty="0"/>
-          </a:p>
-        </p:txBody>
-      </p:sp>
-      <p:graphicFrame>
-        <p:nvGraphicFramePr>
-          <p:cNvPr id="8" name="Content Placeholder 7">
-            <a:extLst>
-              <a:ext uri="{FF2B5EF4-FFF2-40B4-BE49-F238E27FC236}">
-                <a16:creationId xmlns:a16="http://schemas.microsoft.com/office/drawing/2014/main" id="{CD90F239-285C-CF8F-2FAA-029B6695058D}"/>
-              </a:ext>
-            </a:extLst>
-          </p:cNvPr>
-          <p:cNvGraphicFramePr>
-            <a:graphicFrameLocks noGrp="1"/>
-          </p:cNvGraphicFramePr>
-          <p:nvPr>
-            <p:ph sz="half" idx="1"/>
-            <p:extLst>
-              <p:ext uri="{D42A27DB-BD31-4B8C-83A1-F6EECF244321}">
-                <p14:modId xmlns:p14="http://schemas.microsoft.com/office/powerpoint/2010/main" val="755878387"/>
-              </p:ext>
-            </p:extLst>
-          </p:nvPr>
-        </p:nvGraphicFramePr>
-        <p:xfrm>
-          <a:off x="0" y="980730"/>
-          <a:ext cx="12190413" cy="5486400"/>
-        </p:xfrm>
-        <a:graphic>
-          <a:graphicData uri="http://schemas.openxmlformats.org/drawingml/2006/table">
-            <a:tbl>
-              <a:tblPr firstRow="1" bandRow="1">
-                <a:tableStyleId>{5C22544A-7EE6-4342-B048-85BDC9FD1C3A}</a:tableStyleId>
-              </a:tblPr>
-              <a:tblGrid>
-                <a:gridCol w="1774726">
-                  <a:extLst>
-                    <a:ext uri="{9D8B030D-6E8A-4147-A177-3AD203B41FA5}">
-                      <a16:colId xmlns:a16="http://schemas.microsoft.com/office/drawing/2014/main" val="4261314040"/>
-                    </a:ext>
-                  </a:extLst>
-                </a:gridCol>
-                <a:gridCol w="3744416">
-                  <a:extLst>
-                    <a:ext uri="{9D8B030D-6E8A-4147-A177-3AD203B41FA5}">
-                      <a16:colId xmlns:a16="http://schemas.microsoft.com/office/drawing/2014/main" val="4251754263"/>
-                    </a:ext>
-                  </a:extLst>
-                </a:gridCol>
-                <a:gridCol w="2088232">
-                  <a:extLst>
-                    <a:ext uri="{9D8B030D-6E8A-4147-A177-3AD203B41FA5}">
-                      <a16:colId xmlns:a16="http://schemas.microsoft.com/office/drawing/2014/main" val="42996591"/>
-                    </a:ext>
-                  </a:extLst>
-                </a:gridCol>
-                <a:gridCol w="4583039">
-                  <a:extLst>
-                    <a:ext uri="{9D8B030D-6E8A-4147-A177-3AD203B41FA5}">
-                      <a16:colId xmlns:a16="http://schemas.microsoft.com/office/drawing/2014/main" val="3379815797"/>
-                    </a:ext>
-                  </a:extLst>
-                </a:gridCol>
-              </a:tblGrid>
-              <a:tr h="348670">
-                <a:tc>
-                  <a:txBody>
-                    <a:bodyPr/>
-                    <a:lstStyle/>
-                    <a:p>
-                      <a:r>
-                        <a:rPr lang="en-US" dirty="0"/>
-                        <a:t>Cell</a:t>
-                      </a:r>
-                      <a:endParaRPr lang="en-DK" dirty="0"/>
-                    </a:p>
-                  </a:txBody>
-                  <a:tcPr/>
-                </a:tc>
-                <a:tc>
-                  <a:txBody>
-                    <a:bodyPr/>
-                    <a:lstStyle/>
-                    <a:p>
-                      <a:r>
-                        <a:rPr lang="en-US" dirty="0"/>
-                        <a:t>Electrode (5.29cm^2)</a:t>
-                      </a:r>
-                      <a:endParaRPr lang="en-DK" dirty="0"/>
-                    </a:p>
-                  </a:txBody>
-                  <a:tcPr/>
-                </a:tc>
-                <a:tc>
-                  <a:txBody>
-                    <a:bodyPr/>
-                    <a:lstStyle/>
-                    <a:p>
-                      <a:r>
-                        <a:rPr lang="en-US" dirty="0"/>
-                        <a:t>Concentration</a:t>
-                      </a:r>
-                      <a:endParaRPr lang="en-DK" dirty="0"/>
-                    </a:p>
-                  </a:txBody>
-                  <a:tcPr/>
-                </a:tc>
-                <a:tc>
-                  <a:txBody>
-                    <a:bodyPr/>
-                    <a:lstStyle/>
-                    <a:p>
-                      <a:r>
-                        <a:rPr lang="en-US" dirty="0"/>
-                        <a:t>Notes</a:t>
-                      </a:r>
-                      <a:endParaRPr lang="en-DK" dirty="0"/>
-                    </a:p>
-                  </a:txBody>
-                  <a:tcPr/>
-                </a:tc>
-                <a:extLst>
-                  <a:ext uri="{0D108BD9-81ED-4DB2-BD59-A6C34878D82A}">
-                    <a16:rowId xmlns:a16="http://schemas.microsoft.com/office/drawing/2014/main" val="179239177"/>
-                  </a:ext>
-                </a:extLst>
-              </a:tr>
-              <a:tr h="871675">
-                <a:tc>
-                  <a:txBody>
-                    <a:bodyPr/>
-                    <a:lstStyle/>
-                    <a:p>
-                      <a:r>
-                        <a:rPr lang="en-US" dirty="0"/>
-                        <a:t>1. Felt-50mM</a:t>
-                      </a:r>
-                      <a:endParaRPr lang="en-DK" dirty="0"/>
-                    </a:p>
-                  </a:txBody>
-                  <a:tcPr/>
-                </a:tc>
-                <a:tc>
-                  <a:txBody>
-                    <a:bodyPr/>
-                    <a:lstStyle/>
-                    <a:p>
-                      <a:r>
-                        <a:rPr lang="en-US" dirty="0"/>
-                        <a:t>Felt. Thermally Treated. </a:t>
-                      </a:r>
-                    </a:p>
-                    <a:p>
-                      <a:r>
-                        <a:rPr lang="en-US" dirty="0"/>
-                        <a:t>2.5mm thick.</a:t>
-                      </a:r>
-                    </a:p>
-                    <a:p>
-                      <a:r>
-                        <a:rPr lang="en-US" dirty="0"/>
-                        <a:t>Compressed to ~1.7mm (32%)</a:t>
-                      </a:r>
-                      <a:endParaRPr lang="en-DK" dirty="0"/>
-                    </a:p>
-                  </a:txBody>
-                  <a:tcPr/>
-                </a:tc>
-                <a:tc>
-                  <a:txBody>
-                    <a:bodyPr/>
-                    <a:lstStyle/>
-                    <a:p>
-                      <a:r>
-                        <a:rPr lang="en-US" dirty="0"/>
-                        <a:t>50mM Fe2+/Fe3+</a:t>
-                      </a:r>
-                      <a:endParaRPr lang="en-DK" dirty="0"/>
-                    </a:p>
-                  </a:txBody>
-                  <a:tcPr/>
-                </a:tc>
-                <a:tc>
-                  <a:txBody>
-                    <a:bodyPr/>
-                    <a:lstStyle/>
-                    <a:p>
-                      <a:r>
-                        <a:rPr lang="en-US" dirty="0"/>
-                        <a:t>Parameters a bit all over the place. Used to determine approach for following cells.</a:t>
-                      </a:r>
-                      <a:endParaRPr lang="en-DK" dirty="0"/>
-                    </a:p>
-                  </a:txBody>
-                  <a:tcPr/>
-                </a:tc>
-                <a:extLst>
-                  <a:ext uri="{0D108BD9-81ED-4DB2-BD59-A6C34878D82A}">
-                    <a16:rowId xmlns:a16="http://schemas.microsoft.com/office/drawing/2014/main" val="2279418145"/>
-                  </a:ext>
-                </a:extLst>
-              </a:tr>
-              <a:tr h="610173">
-                <a:tc>
-                  <a:txBody>
-                    <a:bodyPr/>
-                    <a:lstStyle/>
-                    <a:p>
-                      <a:r>
-                        <a:rPr lang="en-US" dirty="0"/>
-                        <a:t>2. Felt-0.5M</a:t>
-                      </a:r>
-                      <a:endParaRPr lang="en-DK" dirty="0"/>
-                    </a:p>
-                  </a:txBody>
-                  <a:tcPr/>
-                </a:tc>
-                <a:tc>
-                  <a:txBody>
-                    <a:bodyPr/>
-                    <a:lstStyle/>
-                    <a:p>
-                      <a:r>
-                        <a:rPr lang="en-US" dirty="0"/>
-                        <a:t>See Above (Re-assembled)</a:t>
-                      </a:r>
-                      <a:endParaRPr lang="en-DK" dirty="0"/>
-                    </a:p>
-                  </a:txBody>
-                  <a:tcPr/>
-                </a:tc>
-                <a:tc>
-                  <a:txBody>
-                    <a:bodyPr/>
-                    <a:lstStyle/>
-                    <a:p>
-                      <a:r>
-                        <a:rPr lang="en-US" dirty="0"/>
-                        <a:t>0.5M Fe2+/Fe3+</a:t>
-                      </a:r>
-                      <a:endParaRPr lang="en-DK" dirty="0"/>
-                    </a:p>
-                  </a:txBody>
-                  <a:tcPr/>
-                </a:tc>
-                <a:tc>
-                  <a:txBody>
-                    <a:bodyPr/>
-                    <a:lstStyle/>
-                    <a:p>
-                      <a:r>
-                        <a:rPr lang="en-US" dirty="0"/>
-                        <a:t>500mL Electrolyte batch made, used for all subsequent cells of this conc.</a:t>
-                      </a:r>
-                      <a:endParaRPr lang="en-DK" dirty="0"/>
-                    </a:p>
-                  </a:txBody>
-                  <a:tcPr/>
-                </a:tc>
-                <a:extLst>
-                  <a:ext uri="{0D108BD9-81ED-4DB2-BD59-A6C34878D82A}">
-                    <a16:rowId xmlns:a16="http://schemas.microsoft.com/office/drawing/2014/main" val="3616162193"/>
-                  </a:ext>
-                </a:extLst>
-              </a:tr>
-              <a:tr h="1133178">
-                <a:tc>
-                  <a:txBody>
-                    <a:bodyPr/>
-                    <a:lstStyle/>
-                    <a:p>
-                      <a:r>
-                        <a:rPr lang="en-US" dirty="0"/>
-                        <a:t>3. N/A</a:t>
-                      </a:r>
-                      <a:endParaRPr lang="en-DK" dirty="0"/>
-                    </a:p>
-                  </a:txBody>
-                  <a:tcPr/>
-                </a:tc>
-                <a:tc>
-                  <a:txBody>
-                    <a:bodyPr/>
-                    <a:lstStyle/>
-                    <a:p>
-                      <a:r>
-                        <a:rPr lang="en-US" dirty="0"/>
-                        <a:t>Cloth. ELAT Hydrophilic*. 0.406mm thick.</a:t>
-                      </a:r>
-                    </a:p>
-                    <a:p>
-                      <a:r>
-                        <a:rPr lang="en-US" dirty="0"/>
-                        <a:t>Compressed to ~0.37mm (9%)</a:t>
-                      </a:r>
-                      <a:endParaRPr lang="en-DK" dirty="0"/>
-                    </a:p>
-                  </a:txBody>
-                  <a:tcPr/>
-                </a:tc>
-                <a:tc>
-                  <a:txBody>
-                    <a:bodyPr/>
-                    <a:lstStyle/>
-                    <a:p>
-                      <a:pPr marL="0" marR="0" lvl="0" indent="0" algn="l" defTabSz="914400" rtl="0" eaLnBrk="1" fontAlgn="auto" latinLnBrk="0" hangingPunct="1">
-                        <a:lnSpc>
-                          <a:spcPct val="100000"/>
-                        </a:lnSpc>
-                        <a:spcBef>
-                          <a:spcPts val="0"/>
-                        </a:spcBef>
-                        <a:spcAft>
-                          <a:spcPts val="0"/>
-                        </a:spcAft>
-                        <a:buClrTx/>
-                        <a:buSzTx/>
-                        <a:buFontTx/>
-                        <a:buNone/>
-                        <a:tabLst/>
-                        <a:defRPr/>
-                      </a:pPr>
-                      <a:r>
-                        <a:rPr lang="en-US" dirty="0"/>
-                        <a:t>0.5M Fe2+/Fe3+</a:t>
-                      </a:r>
-                      <a:endParaRPr lang="en-DK" dirty="0"/>
-                    </a:p>
-                    <a:p>
-                      <a:endParaRPr lang="en-DK" dirty="0"/>
-                    </a:p>
-                  </a:txBody>
-                  <a:tcPr/>
-                </a:tc>
-                <a:tc>
-                  <a:txBody>
-                    <a:bodyPr/>
-                    <a:lstStyle/>
-                    <a:p>
-                      <a:r>
-                        <a:rPr lang="en-US" dirty="0"/>
-                        <a:t>Failed. Was not able to get cell assembly airtight.</a:t>
-                      </a:r>
-                    </a:p>
-                    <a:p>
-                      <a:r>
-                        <a:rPr lang="en-US" dirty="0"/>
-                        <a:t>Used alternative spacers (Fiber?) instead of Teflon.</a:t>
-                      </a:r>
-                      <a:endParaRPr lang="en-DK" dirty="0"/>
-                    </a:p>
-                  </a:txBody>
-                  <a:tcPr/>
-                </a:tc>
-                <a:extLst>
-                  <a:ext uri="{0D108BD9-81ED-4DB2-BD59-A6C34878D82A}">
-                    <a16:rowId xmlns:a16="http://schemas.microsoft.com/office/drawing/2014/main" val="3113126983"/>
-                  </a:ext>
-                </a:extLst>
-              </a:tr>
-              <a:tr h="674718">
-                <a:tc>
-                  <a:txBody>
-                    <a:bodyPr/>
-                    <a:lstStyle/>
-                    <a:p>
-                      <a:r>
-                        <a:rPr lang="en-US" dirty="0"/>
-                        <a:t>4. Cloth_x2_0.5m</a:t>
-                      </a:r>
-                      <a:endParaRPr lang="en-DK" dirty="0"/>
-                    </a:p>
-                  </a:txBody>
-                  <a:tcPr/>
-                </a:tc>
-                <a:tc>
-                  <a:txBody>
-                    <a:bodyPr/>
-                    <a:lstStyle/>
-                    <a:p>
-                      <a:r>
-                        <a:rPr lang="en-US" dirty="0"/>
-                        <a:t>Cloth. ELAT Hydrophilic*. 0.406mm thick. Double layer.</a:t>
-                      </a:r>
-                    </a:p>
-                    <a:p>
-                      <a:r>
-                        <a:rPr lang="en-US" dirty="0"/>
-                        <a:t>Compressed to ~0.70mm (15%)</a:t>
-                      </a:r>
-                      <a:endParaRPr lang="en-DK" dirty="0"/>
-                    </a:p>
-                    <a:p>
-                      <a:endParaRPr lang="en-DK" dirty="0"/>
-                    </a:p>
-                  </a:txBody>
-                  <a:tcPr/>
-                </a:tc>
-                <a:tc>
-                  <a:txBody>
-                    <a:bodyPr/>
-                    <a:lstStyle/>
-                    <a:p>
-                      <a:pPr marL="0" marR="0" lvl="0" indent="0" algn="l" defTabSz="914400" rtl="0" eaLnBrk="1" fontAlgn="auto" latinLnBrk="0" hangingPunct="1">
-                        <a:lnSpc>
-                          <a:spcPct val="100000"/>
-                        </a:lnSpc>
-                        <a:spcBef>
-                          <a:spcPts val="0"/>
-                        </a:spcBef>
-                        <a:spcAft>
-                          <a:spcPts val="0"/>
-                        </a:spcAft>
-                        <a:buClrTx/>
-                        <a:buSzTx/>
-                        <a:buFontTx/>
-                        <a:buNone/>
-                        <a:tabLst/>
-                        <a:defRPr/>
-                      </a:pPr>
-                      <a:r>
-                        <a:rPr lang="en-US" dirty="0"/>
-                        <a:t>0.5M Fe2+/Fe3+</a:t>
-                      </a:r>
-                      <a:endParaRPr lang="en-DK" dirty="0"/>
-                    </a:p>
-                    <a:p>
-                      <a:endParaRPr lang="en-DK" dirty="0"/>
-                    </a:p>
-                  </a:txBody>
-                  <a:tcPr/>
-                </a:tc>
-                <a:tc>
-                  <a:txBody>
-                    <a:bodyPr/>
-                    <a:lstStyle/>
-                    <a:p>
-                      <a:r>
-                        <a:rPr lang="en-US" dirty="0"/>
-                        <a:t>Didn’t locate thinner Teflon spacers. Used thinnest I could find with 2x electrode.</a:t>
-                      </a:r>
-                      <a:endParaRPr lang="en-DK" dirty="0"/>
-                    </a:p>
-                  </a:txBody>
-                  <a:tcPr/>
-                </a:tc>
-                <a:extLst>
-                  <a:ext uri="{0D108BD9-81ED-4DB2-BD59-A6C34878D82A}">
-                    <a16:rowId xmlns:a16="http://schemas.microsoft.com/office/drawing/2014/main" val="3117852853"/>
-                  </a:ext>
-                </a:extLst>
-              </a:tr>
-              <a:tr h="871675">
-                <a:tc>
-                  <a:txBody>
-                    <a:bodyPr/>
-                    <a:lstStyle/>
-                    <a:p>
-                      <a:r>
-                        <a:rPr lang="en-US" dirty="0"/>
-                        <a:t>5.</a:t>
-                      </a:r>
-                    </a:p>
-                    <a:p>
-                      <a:r>
-                        <a:rPr lang="en-US" dirty="0"/>
-                        <a:t>Cloth_x1_0.5m</a:t>
-                      </a:r>
-                      <a:endParaRPr lang="en-DK" dirty="0"/>
-                    </a:p>
-                  </a:txBody>
-                  <a:tcPr/>
-                </a:tc>
-                <a:tc>
-                  <a:txBody>
-                    <a:bodyPr/>
-                    <a:lstStyle/>
-                    <a:p>
-                      <a:r>
-                        <a:rPr lang="en-US" dirty="0"/>
-                        <a:t>Cloth. ELAT Hydrophilic*. 0.406mm thick.</a:t>
-                      </a:r>
-                    </a:p>
-                    <a:p>
-                      <a:r>
-                        <a:rPr lang="en-US" dirty="0"/>
-                        <a:t>Compressed to ~0.33mm (19%)</a:t>
-                      </a:r>
-                      <a:endParaRPr lang="en-DK" dirty="0"/>
-                    </a:p>
-                    <a:p>
-                      <a:endParaRPr lang="en-DK" dirty="0"/>
-                    </a:p>
-                  </a:txBody>
-                  <a:tcPr/>
-                </a:tc>
-                <a:tc>
-                  <a:txBody>
-                    <a:bodyPr/>
-                    <a:lstStyle/>
-                    <a:p>
-                      <a:pPr marL="0" marR="0" lvl="0" indent="0" algn="l" defTabSz="914400" rtl="0" eaLnBrk="1" fontAlgn="auto" latinLnBrk="0" hangingPunct="1">
-                        <a:lnSpc>
-                          <a:spcPct val="100000"/>
-                        </a:lnSpc>
-                        <a:spcBef>
-                          <a:spcPts val="0"/>
-                        </a:spcBef>
-                        <a:spcAft>
-                          <a:spcPts val="0"/>
-                        </a:spcAft>
-                        <a:buClrTx/>
-                        <a:buSzTx/>
-                        <a:buFontTx/>
-                        <a:buNone/>
-                        <a:tabLst/>
-                        <a:defRPr/>
-                      </a:pPr>
-                      <a:r>
-                        <a:rPr lang="en-US" dirty="0"/>
-                        <a:t>0.5M Fe2+/Fe3+</a:t>
-                      </a:r>
-                      <a:endParaRPr lang="en-DK" dirty="0"/>
-                    </a:p>
-                    <a:p>
-                      <a:endParaRPr lang="en-DK" dirty="0"/>
-                    </a:p>
-                  </a:txBody>
-                  <a:tcPr/>
-                </a:tc>
-                <a:tc>
-                  <a:txBody>
-                    <a:bodyPr/>
-                    <a:lstStyle/>
-                    <a:p>
-                      <a:r>
-                        <a:rPr lang="en-US" dirty="0"/>
-                        <a:t>Located thinner Teflon spacers.</a:t>
-                      </a:r>
-                      <a:endParaRPr lang="en-DK" dirty="0"/>
-                    </a:p>
-                  </a:txBody>
-                  <a:tcPr/>
-                </a:tc>
-                <a:extLst>
-                  <a:ext uri="{0D108BD9-81ED-4DB2-BD59-A6C34878D82A}">
-                    <a16:rowId xmlns:a16="http://schemas.microsoft.com/office/drawing/2014/main" val="3580879449"/>
-                  </a:ext>
-                </a:extLst>
-              </a:tr>
-            </a:tbl>
-          </a:graphicData>
-        </a:graphic>
-      </p:graphicFrame>
-      <p:sp>
-        <p:nvSpPr>
-          <p:cNvPr id="5" name="Footer Placeholder 4">
-            <a:extLst>
-              <a:ext uri="{FF2B5EF4-FFF2-40B4-BE49-F238E27FC236}">
-                <a16:creationId xmlns:a16="http://schemas.microsoft.com/office/drawing/2014/main" id="{E9BBB637-77B0-2150-8EE2-FE39CABFF935}"/>
-              </a:ext>
-            </a:extLst>
-          </p:cNvPr>
-          <p:cNvSpPr>
-            <a:spLocks noGrp="1"/>
-          </p:cNvSpPr>
-          <p:nvPr>
-            <p:ph type="ftr" sz="quarter" idx="10"/>
-          </p:nvPr>
-        </p:nvSpPr>
-        <p:spPr/>
-        <p:txBody>
-          <a:bodyPr/>
-          <a:lstStyle/>
-          <a:p>
-            <a:r>
-              <a:rPr lang="en-GB"/>
-              <a:t>Title</a:t>
-            </a:r>
-            <a:endParaRPr lang="en-GB" dirty="0"/>
-          </a:p>
-        </p:txBody>
-      </p:sp>
-      <p:sp>
-        <p:nvSpPr>
-          <p:cNvPr id="6" name="Slide Number Placeholder 5">
-            <a:extLst>
-              <a:ext uri="{FF2B5EF4-FFF2-40B4-BE49-F238E27FC236}">
-                <a16:creationId xmlns:a16="http://schemas.microsoft.com/office/drawing/2014/main" id="{F6247E2B-009E-DE6A-C8E2-0F7BB17C7C6D}"/>
-              </a:ext>
-            </a:extLst>
-          </p:cNvPr>
-          <p:cNvSpPr>
-            <a:spLocks noGrp="1"/>
-          </p:cNvSpPr>
-          <p:nvPr>
-            <p:ph type="sldNum" sz="quarter" idx="11"/>
-          </p:nvPr>
-        </p:nvSpPr>
-        <p:spPr/>
-        <p:txBody>
-          <a:bodyPr/>
-          <a:lstStyle/>
-          <a:p>
-            <a:fld id="{103EA872-A674-449B-A120-B97244F8E91D}" type="slidenum">
-              <a:rPr lang="en-GB" smtClean="0"/>
-              <a:pPr/>
-              <a:t>9</a:t>
-            </a:fld>
-            <a:endParaRPr lang="en-GB" dirty="0"/>
-          </a:p>
-        </p:txBody>
-      </p:sp>
-      <p:sp>
-        <p:nvSpPr>
-          <p:cNvPr id="7" name="Date Placeholder 6">
-            <a:extLst>
-              <a:ext uri="{FF2B5EF4-FFF2-40B4-BE49-F238E27FC236}">
-                <a16:creationId xmlns:a16="http://schemas.microsoft.com/office/drawing/2014/main" id="{F2B62862-6605-0036-B87F-472F360D449C}"/>
-              </a:ext>
-            </a:extLst>
-          </p:cNvPr>
-          <p:cNvSpPr>
-            <a:spLocks noGrp="1"/>
-          </p:cNvSpPr>
-          <p:nvPr>
-            <p:ph type="dt" sz="half" idx="12"/>
-          </p:nvPr>
-        </p:nvSpPr>
-        <p:spPr/>
-        <p:txBody>
-          <a:bodyPr/>
-          <a:lstStyle/>
-          <a:p>
-            <a:r>
-              <a:rPr lang="da-DK"/>
-              <a:t>Date</a:t>
-            </a:r>
-            <a:endParaRPr lang="en-GB"/>
-          </a:p>
-        </p:txBody>
-      </p:sp>
-      <p:sp>
-        <p:nvSpPr>
-          <p:cNvPr id="9" name="TextBox 8">
-            <a:extLst>
-              <a:ext uri="{FF2B5EF4-FFF2-40B4-BE49-F238E27FC236}">
-                <a16:creationId xmlns:a16="http://schemas.microsoft.com/office/drawing/2014/main" id="{4CBD81B7-DDCE-8A41-8A5E-19B015D0ADEF}"/>
-              </a:ext>
-            </a:extLst>
-          </p:cNvPr>
-          <p:cNvSpPr txBox="1"/>
-          <p:nvPr/>
-        </p:nvSpPr>
-        <p:spPr>
-          <a:xfrm>
-            <a:off x="7895406" y="5883129"/>
-            <a:ext cx="5406122" cy="492443"/>
-          </a:xfrm>
-          <a:prstGeom prst="rect">
-            <a:avLst/>
-          </a:prstGeom>
-          <a:noFill/>
-        </p:spPr>
-        <p:txBody>
-          <a:bodyPr wrap="square" lIns="0" tIns="0" rIns="0" bIns="0" rtlCol="0">
-            <a:spAutoFit/>
-          </a:bodyPr>
-          <a:lstStyle/>
-          <a:p>
-            <a:pPr algn="l">
-              <a:spcBef>
-                <a:spcPts val="432"/>
-              </a:spcBef>
-            </a:pPr>
-            <a:r>
-              <a:rPr lang="en-US" dirty="0">
-                <a:latin typeface="+mn-lt"/>
-              </a:rPr>
-              <a:t>* https://www.fuelcellstore.com/activated-cloth?search=1591002-3&amp;description=true</a:t>
-            </a:r>
-            <a:endParaRPr lang="en-DK" dirty="0" err="1">
-              <a:latin typeface="+mn-lt"/>
-            </a:endParaRPr>
-          </a:p>
-        </p:txBody>
-      </p:sp>
-    </p:spTree>
-    <p:extLst>
-      <p:ext uri="{BB962C8B-B14F-4D97-AF65-F5344CB8AC3E}">
-        <p14:creationId xmlns:p14="http://schemas.microsoft.com/office/powerpoint/2010/main" val="164069433"/>
       </p:ext>
     </p:extLst>
   </p:cSld>
@@ -14665,15 +11353,15 @@
 </file>
 
 <file path=customXml/item1.xml><?xml version="1.0" encoding="utf-8"?>
-<TemplafySlideTemplateConfiguration><![CDATA[{"elementsMetadata":[],"documentContentValidatorConfiguration":{"enableDocumentContentValidator":false,"documentContentValidatorVersion":0},"slideId":"636957680393236694","enableDocumentContentUpdater":true,"version":"1.2"}]]></TemplafySlideTemplateConfiguration>
+<TemplafyTemplateConfiguration><![CDATA[{"elementsMetadata":[],"transformationConfigurations":[{"language":"{{DocumentLanguage}}","disableUpdates":false,"type":"proofingLanguage"}],"templateName":"DTU Template 16_9 - Corporate red","templateDescription":"","enableDocumentContentUpdater":true,"version":"1.2"}]]></TemplafyTemplateConfiguration>
 </file>
 
 <file path=customXml/item10.xml><?xml version="1.0" encoding="utf-8"?>
-<TemplafySlideTemplateConfiguration><![CDATA[{"elementsMetadata":[],"documentContentValidatorConfiguration":{"enableDocumentContentValidator":false,"documentContentValidatorVersion":0},"slideId":"636957680393408390","enableDocumentContentUpdater":true,"version":"1.2"}]]></TemplafySlideTemplateConfiguration>
+<TemplafyFormConfiguration><![CDATA[{"formFields":[{"required":false,"type":"datePicker","name":"Date","label":"Date","helpTexts":{"prefix":"","postfix":""},"spacing":{},"fullyQualifiedName":"Date"},{"required":false,"placeholder":"","lines":0,"type":"textBox","name":"PresentationTitle","label":"Presentation title","helpTexts":{"prefix":"","postfix":""},"spacing":{},"fullyQualifiedName":"PresentationTitle"}],"formDataEntries":[]}]]></TemplafyFormConfiguration>
 </file>
 
 <file path=customXml/item11.xml><?xml version="1.0" encoding="utf-8"?>
-<TemplafySlideTemplateConfiguration><![CDATA[{"elementsMetadata":[],"documentContentValidatorConfiguration":{"enableDocumentContentValidator":false,"documentContentValidatorVersion":0},"slideId":"636957680393408391","enableDocumentContentUpdater":true,"version":"1.2"}]]></TemplafySlideTemplateConfiguration>
+<TemplafySlideFormConfiguration><![CDATA[{"formFields":[],"formDataEntries":[]}]]></TemplafySlideFormConfiguration>
 </file>
 
 <file path=customXml/item2.xml><?xml version="1.0" encoding="utf-8"?>
@@ -14848,28 +11536,24 @@
 </file>
 
 <file path=customXml/item3.xml><?xml version="1.0" encoding="utf-8"?>
+<TemplafySlideTemplateConfiguration><![CDATA[{"elementsMetadata":[],"documentContentValidatorConfiguration":{"enableDocumentContentValidator":false,"documentContentValidatorVersion":0},"slideId":"636957680393236694","enableDocumentContentUpdater":true,"version":"1.2"}]]></TemplafySlideTemplateConfiguration>
+</file>
+
+<file path=customXml/item4.xml><?xml version="1.0" encoding="utf-8"?>
+<TemplafySlideTemplateConfiguration><![CDATA[{"elementsMetadata":[],"documentContentValidatorConfiguration":{"enableDocumentContentValidator":false,"documentContentValidatorVersion":0},"slideId":"636957680393408391","enableDocumentContentUpdater":true,"version":"1.2"}]]></TemplafySlideTemplateConfiguration>
+</file>
+
+<file path=customXml/item5.xml><?xml version="1.0" encoding="utf-8"?>
 <p:properties xmlns:p="http://schemas.microsoft.com/office/2006/metadata/properties" xmlns:xsi="http://www.w3.org/2001/XMLSchema-instance" xmlns:pc="http://schemas.microsoft.com/office/infopath/2007/PartnerControls">
   <documentManagement/>
 </p:properties>
 </file>
 
-<file path=customXml/item4.xml><?xml version="1.0" encoding="utf-8"?>
-<TemplafyFormConfiguration><![CDATA[{"formFields":[{"required":false,"type":"datePicker","name":"Date","label":"Date","helpTexts":{"prefix":"","postfix":""},"spacing":{},"fullyQualifiedName":"Date"},{"required":false,"placeholder":"","lines":0,"type":"textBox","name":"PresentationTitle","label":"Presentation title","helpTexts":{"prefix":"","postfix":""},"spacing":{},"fullyQualifiedName":"PresentationTitle"}],"formDataEntries":[]}]]></TemplafyFormConfiguration>
-</file>
-
-<file path=customXml/item5.xml><?xml version="1.0" encoding="utf-8"?>
+<file path=customXml/item6.xml><?xml version="1.0" encoding="utf-8"?>
 <TemplafySlideFormConfiguration><![CDATA[{"formFields":[],"formDataEntries":[]}]]></TemplafySlideFormConfiguration>
 </file>
 
-<file path=customXml/item6.xml><?xml version="1.0" encoding="utf-8"?>
-<TemplafyTemplateConfiguration><![CDATA[{"elementsMetadata":[],"transformationConfigurations":[{"language":"{{DocumentLanguage}}","disableUpdates":false,"type":"proofingLanguage"}],"templateName":"DTU Template 16_9 - Corporate red","templateDescription":"","enableDocumentContentUpdater":true,"version":"1.2"}]]></TemplafyTemplateConfiguration>
-</file>
-
 <file path=customXml/item7.xml><?xml version="1.0" encoding="utf-8"?>
-<TemplafySlideFormConfiguration><![CDATA[{"formFields":[],"formDataEntries":[]}]]></TemplafySlideFormConfiguration>
-</file>
-
-<file path=customXml/item8.xml><?xml version="1.0" encoding="utf-8"?>
 <?mso-contentType ?>
 <FormTemplates xmlns="http://schemas.microsoft.com/sharepoint/v3/contenttype/forms">
   <Display>DocumentLibraryForm</Display>
@@ -14878,24 +11562,28 @@
 </FormTemplates>
 </file>
 
-<file path=customXml/item9.xml><?xml version="1.0" encoding="utf-8"?>
+<file path=customXml/item8.xml><?xml version="1.0" encoding="utf-8"?>
 <TemplafySlideFormConfiguration><![CDATA[{"formFields":[],"formDataEntries":[]}]]></TemplafySlideFormConfiguration>
 </file>
 
+<file path=customXml/item9.xml><?xml version="1.0" encoding="utf-8"?>
+<TemplafySlideTemplateConfiguration><![CDATA[{"elementsMetadata":[],"documentContentValidatorConfiguration":{"enableDocumentContentValidator":false,"documentContentValidatorVersion":0},"slideId":"636957680393408390","enableDocumentContentUpdater":true,"version":"1.2"}]]></TemplafySlideTemplateConfiguration>
+</file>
+
 <file path=customXml/itemProps1.xml><?xml version="1.0" encoding="utf-8"?>
-<ds:datastoreItem xmlns:ds="http://schemas.openxmlformats.org/officeDocument/2006/customXml" ds:itemID="{D27AE696-61B6-4B19-9CED-6F2A3F244FE3}">
+<ds:datastoreItem xmlns:ds="http://schemas.openxmlformats.org/officeDocument/2006/customXml" ds:itemID="{1334258C-C3E7-4029-A615-C886A240FB15}">
   <ds:schemaRefs/>
 </ds:datastoreItem>
 </file>
 
 <file path=customXml/itemProps10.xml><?xml version="1.0" encoding="utf-8"?>
-<ds:datastoreItem xmlns:ds="http://schemas.openxmlformats.org/officeDocument/2006/customXml" ds:itemID="{6B8AD017-B053-4E30-93B9-B28A44CEC3A4}">
+<ds:datastoreItem xmlns:ds="http://schemas.openxmlformats.org/officeDocument/2006/customXml" ds:itemID="{43763224-B85A-4B53-A86A-261D26A71C30}">
   <ds:schemaRefs/>
 </ds:datastoreItem>
 </file>
 
 <file path=customXml/itemProps11.xml><?xml version="1.0" encoding="utf-8"?>
-<ds:datastoreItem xmlns:ds="http://schemas.openxmlformats.org/officeDocument/2006/customXml" ds:itemID="{CA9FC985-930B-40D4-827F-9FAC5D35EA8C}">
+<ds:datastoreItem xmlns:ds="http://schemas.openxmlformats.org/officeDocument/2006/customXml" ds:itemID="{9587AFF5-BFB0-40A3-85CA-ADEED7540807}">
   <ds:schemaRefs/>
 </ds:datastoreItem>
 </file>
@@ -14920,6 +11608,18 @@
 </file>
 
 <file path=customXml/itemProps3.xml><?xml version="1.0" encoding="utf-8"?>
+<ds:datastoreItem xmlns:ds="http://schemas.openxmlformats.org/officeDocument/2006/customXml" ds:itemID="{D27AE696-61B6-4B19-9CED-6F2A3F244FE3}">
+  <ds:schemaRefs/>
+</ds:datastoreItem>
+</file>
+
+<file path=customXml/itemProps4.xml><?xml version="1.0" encoding="utf-8"?>
+<ds:datastoreItem xmlns:ds="http://schemas.openxmlformats.org/officeDocument/2006/customXml" ds:itemID="{CA9FC985-930B-40D4-827F-9FAC5D35EA8C}">
+  <ds:schemaRefs/>
+</ds:datastoreItem>
+</file>
+
+<file path=customXml/itemProps5.xml><?xml version="1.0" encoding="utf-8"?>
 <ds:datastoreItem xmlns:ds="http://schemas.openxmlformats.org/officeDocument/2006/customXml" ds:itemID="{CD7A73E0-5E80-4908-B0DB-9E20244FD024}">
   <ds:schemaRefs>
     <ds:schemaRef ds:uri="http://schemas.microsoft.com/office/2006/metadata/properties"/>
@@ -14928,31 +11628,13 @@
 </ds:datastoreItem>
 </file>
 
-<file path=customXml/itemProps4.xml><?xml version="1.0" encoding="utf-8"?>
-<ds:datastoreItem xmlns:ds="http://schemas.openxmlformats.org/officeDocument/2006/customXml" ds:itemID="{43763224-B85A-4B53-A86A-261D26A71C30}">
-  <ds:schemaRefs/>
-</ds:datastoreItem>
-</file>
-
-<file path=customXml/itemProps5.xml><?xml version="1.0" encoding="utf-8"?>
-<ds:datastoreItem xmlns:ds="http://schemas.openxmlformats.org/officeDocument/2006/customXml" ds:itemID="{9587AFF5-BFB0-40A3-85CA-ADEED7540807}">
-  <ds:schemaRefs/>
-</ds:datastoreItem>
-</file>
-
 <file path=customXml/itemProps6.xml><?xml version="1.0" encoding="utf-8"?>
-<ds:datastoreItem xmlns:ds="http://schemas.openxmlformats.org/officeDocument/2006/customXml" ds:itemID="{1334258C-C3E7-4029-A615-C886A240FB15}">
+<ds:datastoreItem xmlns:ds="http://schemas.openxmlformats.org/officeDocument/2006/customXml" ds:itemID="{5DEE4BEE-00BA-4E32-BD26-AF535B50AC95}">
   <ds:schemaRefs/>
 </ds:datastoreItem>
 </file>
 
 <file path=customXml/itemProps7.xml><?xml version="1.0" encoding="utf-8"?>
-<ds:datastoreItem xmlns:ds="http://schemas.openxmlformats.org/officeDocument/2006/customXml" ds:itemID="{1680B9DC-2D51-4402-BB2C-B8DE0C5AC522}">
-  <ds:schemaRefs/>
-</ds:datastoreItem>
-</file>
-
-<file path=customXml/itemProps8.xml><?xml version="1.0" encoding="utf-8"?>
 <ds:datastoreItem xmlns:ds="http://schemas.openxmlformats.org/officeDocument/2006/customXml" ds:itemID="{49765D68-68C5-4CFA-97ED-A38AD8E70B7F}">
   <ds:schemaRefs>
     <ds:schemaRef ds:uri="http://schemas.microsoft.com/sharepoint/v3/contenttype/forms"/>
@@ -14960,8 +11642,14 @@
 </ds:datastoreItem>
 </file>
 
+<file path=customXml/itemProps8.xml><?xml version="1.0" encoding="utf-8"?>
+<ds:datastoreItem xmlns:ds="http://schemas.openxmlformats.org/officeDocument/2006/customXml" ds:itemID="{1680B9DC-2D51-4402-BB2C-B8DE0C5AC522}">
+  <ds:schemaRefs/>
+</ds:datastoreItem>
+</file>
+
 <file path=customXml/itemProps9.xml><?xml version="1.0" encoding="utf-8"?>
-<ds:datastoreItem xmlns:ds="http://schemas.openxmlformats.org/officeDocument/2006/customXml" ds:itemID="{5DEE4BEE-00BA-4E32-BD26-AF535B50AC95}">
+<ds:datastoreItem xmlns:ds="http://schemas.openxmlformats.org/officeDocument/2006/customXml" ds:itemID="{6B8AD017-B053-4E30-93B9-B28A44CEC3A4}">
   <ds:schemaRefs/>
 </ds:datastoreItem>
 </file>